--- a/Presentation_slides.pptx
+++ b/Presentation_slides.pptx
@@ -7,12 +7,13 @@
   <p:sldIdLst>
     <p:sldId id="256" r:id="rId2"/>
     <p:sldId id="257" r:id="rId3"/>
-    <p:sldId id="264" r:id="rId4"/>
-    <p:sldId id="263" r:id="rId5"/>
-    <p:sldId id="261" r:id="rId6"/>
-    <p:sldId id="262" r:id="rId7"/>
-    <p:sldId id="260" r:id="rId8"/>
-    <p:sldId id="259" r:id="rId9"/>
+    <p:sldId id="263" r:id="rId4"/>
+    <p:sldId id="261" r:id="rId5"/>
+    <p:sldId id="262" r:id="rId6"/>
+    <p:sldId id="264" r:id="rId7"/>
+    <p:sldId id="265" r:id="rId8"/>
+    <p:sldId id="260" r:id="rId9"/>
+    <p:sldId id="259" r:id="rId10"/>
   </p:sldIdLst>
   <p:sldSz cx="12192000" cy="6858000"/>
   <p:notesSz cx="6858000" cy="9144000"/>
@@ -699,7 +700,7 @@
           </a:lstStyle>
           <a:p>
             <a:r>
-              <a:rPr lang="en-US" smtClean="0"/>
+              <a:rPr lang="en-US"/>
               <a:t>Click to edit Master title style</a:t>
             </a:r>
             <a:endParaRPr lang="en-US" dirty="0"/>
@@ -819,7 +820,7 @@
           </a:lstStyle>
           <a:p>
             <a:r>
-              <a:rPr lang="en-US" smtClean="0"/>
+              <a:rPr lang="en-US"/>
               <a:t>Click to edit Master subtitle style</a:t>
             </a:r>
             <a:endParaRPr lang="en-US" dirty="0"/>
@@ -844,7 +845,7 @@
             <a:fld id="{B61BEF0D-F0BB-DE4B-95CE-6DB70DBA9567}" type="datetimeFigureOut">
               <a:rPr lang="en-US" dirty="0"/>
               <a:pPr/>
-              <a:t>3/22/2018</a:t>
+              <a:t>3/22/18</a:t>
             </a:fld>
             <a:endParaRPr lang="en-US" dirty="0"/>
           </a:p>
@@ -945,7 +946,7 @@
           </a:lstStyle>
           <a:p>
             <a:r>
-              <a:rPr lang="en-US" smtClean="0"/>
+              <a:rPr lang="en-US"/>
               <a:t>Click to edit Master title style</a:t>
             </a:r>
             <a:endParaRPr lang="en-US" dirty="0"/>
@@ -1068,7 +1069,7 @@
           <a:p>
             <a:pPr lvl="0"/>
             <a:r>
-              <a:rPr lang="en-US" smtClean="0"/>
+              <a:rPr lang="en-US"/>
               <a:t>Click to edit Master text styles</a:t>
             </a:r>
           </a:p>
@@ -1092,7 +1093,7 @@
             <a:fld id="{B61BEF0D-F0BB-DE4B-95CE-6DB70DBA9567}" type="datetimeFigureOut">
               <a:rPr lang="en-US" dirty="0"/>
               <a:pPr/>
-              <a:t>3/22/2018</a:t>
+              <a:t>3/22/18</a:t>
             </a:fld>
             <a:endParaRPr lang="en-US" dirty="0"/>
           </a:p>
@@ -1193,7 +1194,7 @@
           </a:lstStyle>
           <a:p>
             <a:r>
-              <a:rPr lang="en-US" smtClean="0"/>
+              <a:rPr lang="en-US"/>
               <a:t>Click to edit Master title style</a:t>
             </a:r>
             <a:endParaRPr lang="en-US" dirty="0"/>
@@ -1257,7 +1258,7 @@
           <a:p>
             <a:pPr lvl="0"/>
             <a:r>
-              <a:rPr lang="en-US" smtClean="0"/>
+              <a:rPr lang="en-US"/>
               <a:t>Click to edit Master text styles</a:t>
             </a:r>
           </a:p>
@@ -1379,7 +1380,7 @@
           <a:p>
             <a:pPr lvl="0"/>
             <a:r>
-              <a:rPr lang="en-US" smtClean="0"/>
+              <a:rPr lang="en-US"/>
               <a:t>Click to edit Master text styles</a:t>
             </a:r>
           </a:p>
@@ -1403,7 +1404,7 @@
             <a:fld id="{B61BEF0D-F0BB-DE4B-95CE-6DB70DBA9567}" type="datetimeFigureOut">
               <a:rPr lang="en-US" dirty="0"/>
               <a:pPr/>
-              <a:t>3/22/2018</a:t>
+              <a:t>3/22/18</a:t>
             </a:fld>
             <a:endParaRPr lang="en-US" dirty="0"/>
           </a:p>
@@ -1580,7 +1581,7 @@
           </a:lstStyle>
           <a:p>
             <a:r>
-              <a:rPr lang="en-US" smtClean="0"/>
+              <a:rPr lang="en-US"/>
               <a:t>Click to edit Master title style</a:t>
             </a:r>
             <a:endParaRPr lang="en-US" dirty="0"/>
@@ -1703,7 +1704,7 @@
           <a:p>
             <a:pPr lvl="0"/>
             <a:r>
-              <a:rPr lang="en-US" smtClean="0"/>
+              <a:rPr lang="en-US"/>
               <a:t>Click to edit Master text styles</a:t>
             </a:r>
           </a:p>
@@ -1727,7 +1728,7 @@
             <a:fld id="{B61BEF0D-F0BB-DE4B-95CE-6DB70DBA9567}" type="datetimeFigureOut">
               <a:rPr lang="en-US" dirty="0"/>
               <a:pPr/>
-              <a:t>3/22/2018</a:t>
+              <a:t>3/22/18</a:t>
             </a:fld>
             <a:endParaRPr lang="en-US" dirty="0"/>
           </a:p>
@@ -1828,7 +1829,7 @@
           </a:lstStyle>
           <a:p>
             <a:r>
-              <a:rPr lang="en-US" smtClean="0"/>
+              <a:rPr lang="en-US"/>
               <a:t>Click to edit Master title style</a:t>
             </a:r>
             <a:endParaRPr lang="en-US" dirty="0"/>
@@ -1892,7 +1893,7 @@
           <a:p>
             <a:pPr lvl="0"/>
             <a:r>
-              <a:rPr lang="en-US" smtClean="0"/>
+              <a:rPr lang="en-US"/>
               <a:t>Click to edit Master text styles</a:t>
             </a:r>
           </a:p>
@@ -2014,7 +2015,7 @@
           <a:p>
             <a:pPr lvl="0"/>
             <a:r>
-              <a:rPr lang="en-US" smtClean="0"/>
+              <a:rPr lang="en-US"/>
               <a:t>Click to edit Master text styles</a:t>
             </a:r>
           </a:p>
@@ -2038,7 +2039,7 @@
             <a:fld id="{B61BEF0D-F0BB-DE4B-95CE-6DB70DBA9567}" type="datetimeFigureOut">
               <a:rPr lang="en-US" dirty="0"/>
               <a:pPr/>
-              <a:t>3/22/2018</a:t>
+              <a:t>3/22/18</a:t>
             </a:fld>
             <a:endParaRPr lang="en-US" dirty="0"/>
           </a:p>
@@ -2215,7 +2216,7 @@
           </a:lstStyle>
           <a:p>
             <a:r>
-              <a:rPr lang="en-US" smtClean="0"/>
+              <a:rPr lang="en-US"/>
               <a:t>Click to edit Master title style</a:t>
             </a:r>
             <a:endParaRPr lang="en-US" dirty="0"/>
@@ -2276,7 +2277,7 @@
           <a:p>
             <a:pPr lvl="0"/>
             <a:r>
-              <a:rPr lang="en-US" smtClean="0"/>
+              <a:rPr lang="en-US"/>
               <a:t>Click to edit Master text styles</a:t>
             </a:r>
           </a:p>
@@ -2398,7 +2399,7 @@
           <a:p>
             <a:pPr lvl="0"/>
             <a:r>
-              <a:rPr lang="en-US" smtClean="0"/>
+              <a:rPr lang="en-US"/>
               <a:t>Click to edit Master text styles</a:t>
             </a:r>
           </a:p>
@@ -2422,7 +2423,7 @@
             <a:fld id="{B61BEF0D-F0BB-DE4B-95CE-6DB70DBA9567}" type="datetimeFigureOut">
               <a:rPr lang="en-US" dirty="0"/>
               <a:pPr/>
-              <a:t>3/22/2018</a:t>
+              <a:t>3/22/18</a:t>
             </a:fld>
             <a:endParaRPr lang="en-US" dirty="0"/>
           </a:p>
@@ -2512,7 +2513,7 @@
           <a:lstStyle/>
           <a:p>
             <a:r>
-              <a:rPr lang="en-US" smtClean="0"/>
+              <a:rPr lang="en-US"/>
               <a:t>Click to edit Master title style</a:t>
             </a:r>
             <a:endParaRPr lang="en-US" dirty="0"/>
@@ -2536,35 +2537,35 @@
           <a:p>
             <a:pPr lvl="0"/>
             <a:r>
-              <a:rPr lang="en-US" smtClean="0"/>
+              <a:rPr lang="en-US"/>
               <a:t>Click to edit Master text styles</a:t>
             </a:r>
           </a:p>
           <a:p>
             <a:pPr lvl="1"/>
             <a:r>
-              <a:rPr lang="en-US" smtClean="0"/>
+              <a:rPr lang="en-US"/>
               <a:t>Second level</a:t>
             </a:r>
           </a:p>
           <a:p>
             <a:pPr lvl="2"/>
             <a:r>
-              <a:rPr lang="en-US" smtClean="0"/>
+              <a:rPr lang="en-US"/>
               <a:t>Third level</a:t>
             </a:r>
           </a:p>
           <a:p>
             <a:pPr lvl="3"/>
             <a:r>
-              <a:rPr lang="en-US" smtClean="0"/>
+              <a:rPr lang="en-US"/>
               <a:t>Fourth level</a:t>
             </a:r>
           </a:p>
           <a:p>
             <a:pPr lvl="4"/>
             <a:r>
-              <a:rPr lang="en-US" smtClean="0"/>
+              <a:rPr lang="en-US"/>
               <a:t>Fifth level</a:t>
             </a:r>
             <a:endParaRPr lang="en-US" dirty="0"/>
@@ -2588,7 +2589,7 @@
           <a:p>
             <a:fld id="{55C6B4A9-1611-4792-9094-5F34BCA07E0B}" type="datetimeFigureOut">
               <a:rPr lang="en-US" dirty="0"/>
-              <a:t>3/22/2018</a:t>
+              <a:t>3/22/18</a:t>
             </a:fld>
             <a:endParaRPr lang="en-US" dirty="0"/>
           </a:p>
@@ -2682,7 +2683,7 @@
           <a:lstStyle/>
           <a:p>
             <a:r>
-              <a:rPr lang="en-US" smtClean="0"/>
+              <a:rPr lang="en-US"/>
               <a:t>Click to edit Master title style</a:t>
             </a:r>
             <a:endParaRPr lang="en-US" dirty="0"/>
@@ -2711,35 +2712,35 @@
           <a:p>
             <a:pPr lvl="0"/>
             <a:r>
-              <a:rPr lang="en-US" smtClean="0"/>
+              <a:rPr lang="en-US"/>
               <a:t>Click to edit Master text styles</a:t>
             </a:r>
           </a:p>
           <a:p>
             <a:pPr lvl="1"/>
             <a:r>
-              <a:rPr lang="en-US" smtClean="0"/>
+              <a:rPr lang="en-US"/>
               <a:t>Second level</a:t>
             </a:r>
           </a:p>
           <a:p>
             <a:pPr lvl="2"/>
             <a:r>
-              <a:rPr lang="en-US" smtClean="0"/>
+              <a:rPr lang="en-US"/>
               <a:t>Third level</a:t>
             </a:r>
           </a:p>
           <a:p>
             <a:pPr lvl="3"/>
             <a:r>
-              <a:rPr lang="en-US" smtClean="0"/>
+              <a:rPr lang="en-US"/>
               <a:t>Fourth level</a:t>
             </a:r>
           </a:p>
           <a:p>
             <a:pPr lvl="4"/>
             <a:r>
-              <a:rPr lang="en-US" smtClean="0"/>
+              <a:rPr lang="en-US"/>
               <a:t>Fifth level</a:t>
             </a:r>
             <a:endParaRPr lang="en-US" dirty="0"/>
@@ -2764,7 +2765,7 @@
             <a:fld id="{B61BEF0D-F0BB-DE4B-95CE-6DB70DBA9567}" type="datetimeFigureOut">
               <a:rPr lang="en-US" dirty="0"/>
               <a:pPr/>
-              <a:t>3/22/2018</a:t>
+              <a:t>3/22/18</a:t>
             </a:fld>
             <a:endParaRPr lang="en-US" dirty="0"/>
           </a:p>
@@ -2860,7 +2861,7 @@
           </a:lstStyle>
           <a:p>
             <a:r>
-              <a:rPr lang="en-US" smtClean="0"/>
+              <a:rPr lang="en-US"/>
               <a:t>Click to edit Master title style</a:t>
             </a:r>
             <a:endParaRPr lang="en-US" dirty="0"/>
@@ -2884,35 +2885,35 @@
           <a:p>
             <a:pPr lvl="0"/>
             <a:r>
-              <a:rPr lang="en-US" smtClean="0"/>
+              <a:rPr lang="en-US"/>
               <a:t>Click to edit Master text styles</a:t>
             </a:r>
           </a:p>
           <a:p>
             <a:pPr lvl="1"/>
             <a:r>
-              <a:rPr lang="en-US" smtClean="0"/>
+              <a:rPr lang="en-US"/>
               <a:t>Second level</a:t>
             </a:r>
           </a:p>
           <a:p>
             <a:pPr lvl="2"/>
             <a:r>
-              <a:rPr lang="en-US" smtClean="0"/>
+              <a:rPr lang="en-US"/>
               <a:t>Third level</a:t>
             </a:r>
           </a:p>
           <a:p>
             <a:pPr lvl="3"/>
             <a:r>
-              <a:rPr lang="en-US" smtClean="0"/>
+              <a:rPr lang="en-US"/>
               <a:t>Fourth level</a:t>
             </a:r>
           </a:p>
           <a:p>
             <a:pPr lvl="4"/>
             <a:r>
-              <a:rPr lang="en-US" smtClean="0"/>
+              <a:rPr lang="en-US"/>
               <a:t>Fifth level</a:t>
             </a:r>
             <a:endParaRPr lang="en-US" dirty="0"/>
@@ -2937,7 +2938,7 @@
             <a:fld id="{B61BEF0D-F0BB-DE4B-95CE-6DB70DBA9567}" type="datetimeFigureOut">
               <a:rPr lang="en-US" dirty="0"/>
               <a:pPr/>
-              <a:t>3/22/2018</a:t>
+              <a:t>3/22/18</a:t>
             </a:fld>
             <a:endParaRPr lang="en-US" dirty="0"/>
           </a:p>
@@ -3036,7 +3037,7 @@
           </a:lstStyle>
           <a:p>
             <a:r>
-              <a:rPr lang="en-US" smtClean="0"/>
+              <a:rPr lang="en-US"/>
               <a:t>Click to edit Master title style</a:t>
             </a:r>
             <a:endParaRPr lang="en-US" dirty="0"/>
@@ -3157,7 +3158,7 @@
           <a:p>
             <a:pPr lvl="0"/>
             <a:r>
-              <a:rPr lang="en-US" smtClean="0"/>
+              <a:rPr lang="en-US"/>
               <a:t>Click to edit Master text styles</a:t>
             </a:r>
           </a:p>
@@ -3181,7 +3182,7 @@
             <a:fld id="{B61BEF0D-F0BB-DE4B-95CE-6DB70DBA9567}" type="datetimeFigureOut">
               <a:rPr lang="en-US" dirty="0"/>
               <a:pPr/>
-              <a:t>3/22/2018</a:t>
+              <a:t>3/22/18</a:t>
             </a:fld>
             <a:endParaRPr lang="en-US" dirty="0"/>
           </a:p>
@@ -3271,7 +3272,7 @@
           <a:lstStyle/>
           <a:p>
             <a:r>
-              <a:rPr lang="en-US" smtClean="0"/>
+              <a:rPr lang="en-US"/>
               <a:t>Click to edit Master title style</a:t>
             </a:r>
             <a:endParaRPr lang="en-US" dirty="0"/>
@@ -3300,35 +3301,35 @@
           <a:p>
             <a:pPr lvl="0"/>
             <a:r>
-              <a:rPr lang="en-US" smtClean="0"/>
+              <a:rPr lang="en-US"/>
               <a:t>Click to edit Master text styles</a:t>
             </a:r>
           </a:p>
           <a:p>
             <a:pPr lvl="1"/>
             <a:r>
-              <a:rPr lang="en-US" smtClean="0"/>
+              <a:rPr lang="en-US"/>
               <a:t>Second level</a:t>
             </a:r>
           </a:p>
           <a:p>
             <a:pPr lvl="2"/>
             <a:r>
-              <a:rPr lang="en-US" smtClean="0"/>
+              <a:rPr lang="en-US"/>
               <a:t>Third level</a:t>
             </a:r>
           </a:p>
           <a:p>
             <a:pPr lvl="3"/>
             <a:r>
-              <a:rPr lang="en-US" smtClean="0"/>
+              <a:rPr lang="en-US"/>
               <a:t>Fourth level</a:t>
             </a:r>
           </a:p>
           <a:p>
             <a:pPr lvl="4"/>
             <a:r>
-              <a:rPr lang="en-US" smtClean="0"/>
+              <a:rPr lang="en-US"/>
               <a:t>Fifth level</a:t>
             </a:r>
             <a:endParaRPr lang="en-US" dirty="0"/>
@@ -3357,35 +3358,35 @@
           <a:p>
             <a:pPr lvl="0"/>
             <a:r>
-              <a:rPr lang="en-US" smtClean="0"/>
+              <a:rPr lang="en-US"/>
               <a:t>Click to edit Master text styles</a:t>
             </a:r>
           </a:p>
           <a:p>
             <a:pPr lvl="1"/>
             <a:r>
-              <a:rPr lang="en-US" smtClean="0"/>
+              <a:rPr lang="en-US"/>
               <a:t>Second level</a:t>
             </a:r>
           </a:p>
           <a:p>
             <a:pPr lvl="2"/>
             <a:r>
-              <a:rPr lang="en-US" smtClean="0"/>
+              <a:rPr lang="en-US"/>
               <a:t>Third level</a:t>
             </a:r>
           </a:p>
           <a:p>
             <a:pPr lvl="3"/>
             <a:r>
-              <a:rPr lang="en-US" smtClean="0"/>
+              <a:rPr lang="en-US"/>
               <a:t>Fourth level</a:t>
             </a:r>
           </a:p>
           <a:p>
             <a:pPr lvl="4"/>
             <a:r>
-              <a:rPr lang="en-US" smtClean="0"/>
+              <a:rPr lang="en-US"/>
               <a:t>Fifth level</a:t>
             </a:r>
             <a:endParaRPr lang="en-US" dirty="0"/>
@@ -3409,7 +3410,7 @@
           <a:p>
             <a:fld id="{EB712588-04B1-427B-82EE-E8DB90309F08}" type="datetimeFigureOut">
               <a:rPr lang="en-US" dirty="0"/>
-              <a:t>3/22/2018</a:t>
+              <a:t>3/22/18</a:t>
             </a:fld>
             <a:endParaRPr lang="en-US" dirty="0"/>
           </a:p>
@@ -3502,7 +3503,7 @@
           </a:lstStyle>
           <a:p>
             <a:r>
-              <a:rPr lang="en-US" smtClean="0"/>
+              <a:rPr lang="en-US"/>
               <a:t>Click to edit Master title style</a:t>
             </a:r>
             <a:endParaRPr lang="en-US" dirty="0"/>
@@ -3570,7 +3571,7 @@
           <a:p>
             <a:pPr lvl="0"/>
             <a:r>
-              <a:rPr lang="en-US" smtClean="0"/>
+              <a:rPr lang="en-US"/>
               <a:t>Click to edit Master text styles</a:t>
             </a:r>
           </a:p>
@@ -3600,35 +3601,35 @@
           <a:p>
             <a:pPr lvl="0"/>
             <a:r>
-              <a:rPr lang="en-US" smtClean="0"/>
+              <a:rPr lang="en-US"/>
               <a:t>Click to edit Master text styles</a:t>
             </a:r>
           </a:p>
           <a:p>
             <a:pPr lvl="1"/>
             <a:r>
-              <a:rPr lang="en-US" smtClean="0"/>
+              <a:rPr lang="en-US"/>
               <a:t>Second level</a:t>
             </a:r>
           </a:p>
           <a:p>
             <a:pPr lvl="2"/>
             <a:r>
-              <a:rPr lang="en-US" smtClean="0"/>
+              <a:rPr lang="en-US"/>
               <a:t>Third level</a:t>
             </a:r>
           </a:p>
           <a:p>
             <a:pPr lvl="3"/>
             <a:r>
-              <a:rPr lang="en-US" smtClean="0"/>
+              <a:rPr lang="en-US"/>
               <a:t>Fourth level</a:t>
             </a:r>
           </a:p>
           <a:p>
             <a:pPr lvl="4"/>
             <a:r>
-              <a:rPr lang="en-US" smtClean="0"/>
+              <a:rPr lang="en-US"/>
               <a:t>Fifth level</a:t>
             </a:r>
             <a:endParaRPr lang="en-US" dirty="0"/>
@@ -3696,7 +3697,7 @@
           <a:p>
             <a:pPr lvl="0"/>
             <a:r>
-              <a:rPr lang="en-US" smtClean="0"/>
+              <a:rPr lang="en-US"/>
               <a:t>Click to edit Master text styles</a:t>
             </a:r>
           </a:p>
@@ -3726,35 +3727,35 @@
           <a:p>
             <a:pPr lvl="0"/>
             <a:r>
-              <a:rPr lang="en-US" smtClean="0"/>
+              <a:rPr lang="en-US"/>
               <a:t>Click to edit Master text styles</a:t>
             </a:r>
           </a:p>
           <a:p>
             <a:pPr lvl="1"/>
             <a:r>
-              <a:rPr lang="en-US" smtClean="0"/>
+              <a:rPr lang="en-US"/>
               <a:t>Second level</a:t>
             </a:r>
           </a:p>
           <a:p>
             <a:pPr lvl="2"/>
             <a:r>
-              <a:rPr lang="en-US" smtClean="0"/>
+              <a:rPr lang="en-US"/>
               <a:t>Third level</a:t>
             </a:r>
           </a:p>
           <a:p>
             <a:pPr lvl="3"/>
             <a:r>
-              <a:rPr lang="en-US" smtClean="0"/>
+              <a:rPr lang="en-US"/>
               <a:t>Fourth level</a:t>
             </a:r>
           </a:p>
           <a:p>
             <a:pPr lvl="4"/>
             <a:r>
-              <a:rPr lang="en-US" smtClean="0"/>
+              <a:rPr lang="en-US"/>
               <a:t>Fifth level</a:t>
             </a:r>
             <a:endParaRPr lang="en-US" dirty="0"/>
@@ -3779,7 +3780,7 @@
             <a:fld id="{B61BEF0D-F0BB-DE4B-95CE-6DB70DBA9567}" type="datetimeFigureOut">
               <a:rPr lang="en-US" dirty="0"/>
               <a:pPr/>
-              <a:t>3/22/2018</a:t>
+              <a:t>3/22/18</a:t>
             </a:fld>
             <a:endParaRPr lang="en-US" dirty="0"/>
           </a:p>
@@ -3874,7 +3875,7 @@
           <a:lstStyle/>
           <a:p>
             <a:r>
-              <a:rPr lang="en-US" smtClean="0"/>
+              <a:rPr lang="en-US"/>
               <a:t>Click to edit Master title style</a:t>
             </a:r>
             <a:endParaRPr lang="en-US" dirty="0"/>
@@ -3899,7 +3900,7 @@
             <a:fld id="{B61BEF0D-F0BB-DE4B-95CE-6DB70DBA9567}" type="datetimeFigureOut">
               <a:rPr lang="en-US" dirty="0"/>
               <a:pPr/>
-              <a:t>3/22/2018</a:t>
+              <a:t>3/22/18</a:t>
             </a:fld>
             <a:endParaRPr lang="en-US" dirty="0"/>
           </a:p>
@@ -3991,7 +3992,7 @@
             <a:fld id="{B61BEF0D-F0BB-DE4B-95CE-6DB70DBA9567}" type="datetimeFigureOut">
               <a:rPr lang="en-US" dirty="0"/>
               <a:pPr/>
-              <a:t>3/22/2018</a:t>
+              <a:t>3/22/18</a:t>
             </a:fld>
             <a:endParaRPr lang="en-US" dirty="0"/>
           </a:p>
@@ -4092,7 +4093,7 @@
           </a:lstStyle>
           <a:p>
             <a:r>
-              <a:rPr lang="en-US" smtClean="0"/>
+              <a:rPr lang="en-US"/>
               <a:t>Click to edit Master title style</a:t>
             </a:r>
             <a:endParaRPr lang="en-US" dirty="0"/>
@@ -4123,35 +4124,35 @@
           <a:p>
             <a:pPr lvl="0"/>
             <a:r>
-              <a:rPr lang="en-US" smtClean="0"/>
+              <a:rPr lang="en-US"/>
               <a:t>Click to edit Master text styles</a:t>
             </a:r>
           </a:p>
           <a:p>
             <a:pPr lvl="1"/>
             <a:r>
-              <a:rPr lang="en-US" smtClean="0"/>
+              <a:rPr lang="en-US"/>
               <a:t>Second level</a:t>
             </a:r>
           </a:p>
           <a:p>
             <a:pPr lvl="2"/>
             <a:r>
-              <a:rPr lang="en-US" smtClean="0"/>
+              <a:rPr lang="en-US"/>
               <a:t>Third level</a:t>
             </a:r>
           </a:p>
           <a:p>
             <a:pPr lvl="3"/>
             <a:r>
-              <a:rPr lang="en-US" smtClean="0"/>
+              <a:rPr lang="en-US"/>
               <a:t>Fourth level</a:t>
             </a:r>
           </a:p>
           <a:p>
             <a:pPr lvl="4"/>
             <a:r>
-              <a:rPr lang="en-US" smtClean="0"/>
+              <a:rPr lang="en-US"/>
               <a:t>Fifth level</a:t>
             </a:r>
             <a:endParaRPr lang="en-US" dirty="0"/>
@@ -4219,7 +4220,7 @@
           <a:p>
             <a:pPr lvl="0"/>
             <a:r>
-              <a:rPr lang="en-US" smtClean="0"/>
+              <a:rPr lang="en-US"/>
               <a:t>Click to edit Master text styles</a:t>
             </a:r>
           </a:p>
@@ -4242,7 +4243,7 @@
           <a:p>
             <a:fld id="{42A54C80-263E-416B-A8E0-580EDEADCBDC}" type="datetimeFigureOut">
               <a:rPr lang="en-US" dirty="0"/>
-              <a:t>3/22/2018</a:t>
+              <a:t>3/22/18</a:t>
             </a:fld>
             <a:endParaRPr lang="en-US" dirty="0"/>
           </a:p>
@@ -4342,7 +4343,7 @@
           </a:lstStyle>
           <a:p>
             <a:r>
-              <a:rPr lang="en-US" smtClean="0"/>
+              <a:rPr lang="en-US"/>
               <a:t>Click to edit Master title style</a:t>
             </a:r>
             <a:endParaRPr lang="en-US" dirty="0"/>
@@ -4409,7 +4410,7 @@
           </a:lstStyle>
           <a:p>
             <a:r>
-              <a:rPr lang="en-US" smtClean="0"/>
+              <a:rPr lang="en-US"/>
               <a:t>Click icon to add picture</a:t>
             </a:r>
             <a:endParaRPr lang="en-US" dirty="0"/>
@@ -4477,7 +4478,7 @@
           <a:p>
             <a:pPr lvl="0"/>
             <a:r>
-              <a:rPr lang="en-US" smtClean="0"/>
+              <a:rPr lang="en-US"/>
               <a:t>Click to edit Master text styles</a:t>
             </a:r>
           </a:p>
@@ -4501,7 +4502,7 @@
             <a:fld id="{B61BEF0D-F0BB-DE4B-95CE-6DB70DBA9567}" type="datetimeFigureOut">
               <a:rPr lang="en-US" dirty="0"/>
               <a:pPr/>
-              <a:t>3/22/2018</a:t>
+              <a:t>3/22/18</a:t>
             </a:fld>
             <a:endParaRPr lang="en-US" dirty="0"/>
           </a:p>
@@ -5141,7 +5142,7 @@
           <a:lstStyle/>
           <a:p>
             <a:r>
-              <a:rPr lang="en-US" smtClean="0"/>
+              <a:rPr lang="en-US"/>
               <a:t>Click to edit Master title style</a:t>
             </a:r>
             <a:endParaRPr lang="en-US" dirty="0"/>
@@ -5175,35 +5176,35 @@
           <a:p>
             <a:pPr lvl="0"/>
             <a:r>
-              <a:rPr lang="en-US" smtClean="0"/>
+              <a:rPr lang="en-US"/>
               <a:t>Click to edit Master text styles</a:t>
             </a:r>
           </a:p>
           <a:p>
             <a:pPr lvl="1"/>
             <a:r>
-              <a:rPr lang="en-US" smtClean="0"/>
+              <a:rPr lang="en-US"/>
               <a:t>Second level</a:t>
             </a:r>
           </a:p>
           <a:p>
             <a:pPr lvl="2"/>
             <a:r>
-              <a:rPr lang="en-US" smtClean="0"/>
+              <a:rPr lang="en-US"/>
               <a:t>Third level</a:t>
             </a:r>
           </a:p>
           <a:p>
             <a:pPr lvl="3"/>
             <a:r>
-              <a:rPr lang="en-US" smtClean="0"/>
+              <a:rPr lang="en-US"/>
               <a:t>Fourth level</a:t>
             </a:r>
           </a:p>
           <a:p>
             <a:pPr lvl="4"/>
             <a:r>
-              <a:rPr lang="en-US" smtClean="0"/>
+              <a:rPr lang="en-US"/>
               <a:t>Fifth level</a:t>
             </a:r>
             <a:endParaRPr lang="en-US" dirty="0"/>
@@ -5246,7 +5247,7 @@
             <a:fld id="{B61BEF0D-F0BB-DE4B-95CE-6DB70DBA9567}" type="datetimeFigureOut">
               <a:rPr lang="en-US" dirty="0"/>
               <a:pPr/>
-              <a:t>3/22/2018</a:t>
+              <a:t>3/22/18</a:t>
             </a:fld>
             <a:endParaRPr lang="en-US" dirty="0"/>
           </a:p>
@@ -5782,10 +5783,9 @@
           <a:lstStyle/>
           <a:p>
             <a:r>
-              <a:rPr lang="en-CA" dirty="0" smtClean="0"/>
+              <a:rPr lang="en-CA" dirty="0"/>
               <a:t>Type Inferencing in Functional Languages</a:t>
             </a:r>
-            <a:endParaRPr lang="en-CA" dirty="0"/>
           </a:p>
         </p:txBody>
       </p:sp>
@@ -5807,29 +5807,29 @@
           <a:lstStyle/>
           <a:p>
             <a:r>
-              <a:rPr lang="en-CA" dirty="0" smtClean="0"/>
+              <a:rPr lang="en-CA" dirty="0"/>
               <a:t>By: Tanya </a:t>
             </a:r>
             <a:r>
-              <a:rPr lang="en-CA" dirty="0" err="1" smtClean="0"/>
+              <a:rPr lang="en-CA" dirty="0" err="1"/>
               <a:t>Bouman</a:t>
             </a:r>
             <a:r>
-              <a:rPr lang="en-CA" dirty="0" smtClean="0"/>
+              <a:rPr lang="en-CA" dirty="0"/>
               <a:t>, </a:t>
             </a:r>
             <a:r>
-              <a:rPr lang="en-CA" dirty="0" err="1" smtClean="0"/>
+              <a:rPr lang="en-CA" dirty="0" err="1"/>
               <a:t>Tonye</a:t>
             </a:r>
             <a:r>
-              <a:rPr lang="en-CA" dirty="0" smtClean="0"/>
+              <a:rPr lang="en-CA" dirty="0"/>
               <a:t> Fiberesima, and Emily Ashworth</a:t>
             </a:r>
           </a:p>
           <a:p>
             <a:r>
-              <a:rPr lang="en-CA" dirty="0" smtClean="0"/>
+              <a:rPr lang="en-CA" dirty="0"/>
               <a:t>March 23, 2018</a:t>
             </a:r>
           </a:p>
@@ -5848,13 +5848,6 @@
   <p:clrMapOvr>
     <a:masterClrMapping/>
   </p:clrMapOvr>
-  <p:timing>
-    <p:tnLst>
-      <p:par>
-        <p:cTn id="1" dur="indefinite" restart="never" nodeType="tmRoot"/>
-      </p:par>
-    </p:tnLst>
-  </p:timing>
 </p:sld>
 </file>
 
@@ -5891,10 +5884,9 @@
           <a:lstStyle/>
           <a:p>
             <a:r>
-              <a:rPr lang="en-CA" dirty="0" smtClean="0"/>
+              <a:rPr lang="en-CA" dirty="0"/>
               <a:t>What is Type Inferencing?</a:t>
             </a:r>
-            <a:endParaRPr lang="en-CA" dirty="0"/>
           </a:p>
         </p:txBody>
       </p:sp>
@@ -5913,35 +5905,35 @@
           <a:bodyPr/>
           <a:lstStyle/>
           <a:p>
-            <a:endParaRPr lang="en-CA" dirty="0" smtClean="0"/>
-          </a:p>
-          <a:p>
             <a:endParaRPr lang="en-CA" dirty="0"/>
           </a:p>
           <a:p>
-            <a:endParaRPr lang="en-CA" dirty="0" smtClean="0"/>
+            <a:endParaRPr lang="en-CA" dirty="0"/>
+          </a:p>
+          <a:p>
+            <a:endParaRPr lang="en-CA" dirty="0"/>
           </a:p>
           <a:p>
             <a:pPr marL="0" indent="0">
               <a:buNone/>
             </a:pPr>
-            <a:endParaRPr lang="en-CA" dirty="0" smtClean="0"/>
-          </a:p>
-          <a:p>
-            <a:r>
-              <a:rPr lang="en-CA" sz="3600" dirty="0" smtClean="0"/>
+            <a:endParaRPr lang="en-CA" dirty="0"/>
+          </a:p>
+          <a:p>
+            <a:r>
+              <a:rPr lang="en-CA" sz="3600" dirty="0"/>
               <a:t>Haskell</a:t>
             </a:r>
           </a:p>
           <a:p>
             <a:r>
-              <a:rPr lang="en-CA" sz="3600" dirty="0" smtClean="0"/>
+              <a:rPr lang="en-CA" sz="3600" dirty="0"/>
               <a:t>Swift</a:t>
             </a:r>
           </a:p>
           <a:p>
             <a:r>
-              <a:rPr lang="en-CA" sz="3600" dirty="0" smtClean="0"/>
+              <a:rPr lang="en-CA" sz="3600" dirty="0"/>
               <a:t>and more!</a:t>
             </a:r>
           </a:p>
@@ -5960,6 +5952,7 @@
         </p:nvPicPr>
         <p:blipFill>
           <a:blip r:embed="rId2">
+            <a:alphaModFix/>
             <a:extLst>
               <a:ext uri="{28A0092B-C50C-407E-A947-70E740481C1C}">
                 <a14:useLocalDpi xmlns:a14="http://schemas.microsoft.com/office/drawing/2010/main" val="0"/>
@@ -5972,12 +5965,16 @@
         </p:blipFill>
         <p:spPr>
           <a:xfrm>
-            <a:off x="6304488" y="280034"/>
-            <a:ext cx="3313323" cy="2109482"/>
+            <a:off x="5635484" y="0"/>
+            <a:ext cx="5218242" cy="3322280"/>
           </a:xfrm>
           <a:prstGeom prst="rect">
             <a:avLst/>
           </a:prstGeom>
+          <a:noFill/>
+          <a:effectLst>
+            <a:softEdge rad="762000"/>
+          </a:effectLst>
         </p:spPr>
       </p:pic>
       <p:pic>
@@ -6002,8 +5999,8 @@
         </p:blipFill>
         <p:spPr>
           <a:xfrm>
-            <a:off x="1389567" y="2719082"/>
-            <a:ext cx="5796062" cy="943545"/>
+            <a:off x="1389567" y="2719083"/>
+            <a:ext cx="4724987" cy="769184"/>
           </a:xfrm>
           <a:prstGeom prst="rect">
             <a:avLst/>
@@ -6506,493 +6503,9 @@
           <a:lstStyle/>
           <a:p>
             <a:r>
-              <a:rPr lang="en-CA" dirty="0" smtClean="0"/>
-              <a:t>Our work</a:t>
-            </a:r>
-            <a:endParaRPr lang="en-CA" dirty="0"/>
-          </a:p>
-        </p:txBody>
-      </p:sp>
-      <p:sp>
-        <p:nvSpPr>
-          <p:cNvPr id="5" name="Rectangle 4"/>
-          <p:cNvSpPr/>
-          <p:nvPr/>
-        </p:nvSpPr>
-        <p:spPr>
-          <a:xfrm>
-            <a:off x="1182143" y="1546065"/>
-            <a:ext cx="2095446" cy="3170099"/>
-          </a:xfrm>
-          <a:prstGeom prst="rect">
-            <a:avLst/>
-          </a:prstGeom>
-        </p:spPr>
-        <p:txBody>
-          <a:bodyPr wrap="none">
-            <a:spAutoFit/>
-            <a:scene3d>
-              <a:camera prst="orthographicFront"/>
-              <a:lightRig rig="threePt" dir="t"/>
-            </a:scene3d>
-            <a:sp3d extrusionH="57150">
-              <a:bevelT w="38100" h="38100" prst="angle"/>
-            </a:sp3d>
-          </a:bodyPr>
-          <a:lstStyle/>
-          <a:p>
-            <a:pPr algn="ctr"/>
-            <a:r>
-              <a:rPr lang="en-US" sz="20000" b="1" dirty="0">
-                <a:ln/>
-                <a:solidFill>
-                  <a:schemeClr val="accent3"/>
-                </a:solidFill>
-                <a:effectLst>
-                  <a:glow rad="63500">
-                    <a:schemeClr val="accent3">
-                      <a:satMod val="175000"/>
-                      <a:alpha val="40000"/>
-                    </a:schemeClr>
-                  </a:glow>
-                </a:effectLst>
-              </a:rPr>
-              <a:t>M</a:t>
-            </a:r>
-            <a:endParaRPr lang="en-US" sz="20000" b="1" dirty="0">
-              <a:ln/>
-              <a:solidFill>
-                <a:schemeClr val="accent3"/>
-              </a:solidFill>
-              <a:effectLst>
-                <a:glow rad="63500">
-                  <a:schemeClr val="accent3">
-                    <a:satMod val="175000"/>
-                    <a:alpha val="40000"/>
-                  </a:schemeClr>
-                </a:glow>
-              </a:effectLst>
-            </a:endParaRPr>
-          </a:p>
-        </p:txBody>
-      </p:sp>
-      <p:sp>
-        <p:nvSpPr>
-          <p:cNvPr id="7" name="Title 1"/>
-          <p:cNvSpPr txBox="1">
-            <a:spLocks/>
-          </p:cNvSpPr>
-          <p:nvPr/>
-        </p:nvSpPr>
-        <p:spPr>
-          <a:xfrm>
-            <a:off x="4215384" y="3131114"/>
-            <a:ext cx="2705562" cy="1320800"/>
-          </a:xfrm>
-          <a:prstGeom prst="rect">
-            <a:avLst/>
-          </a:prstGeom>
-        </p:spPr>
-        <p:txBody>
-          <a:bodyPr vert="horz" lIns="91440" tIns="45720" rIns="91440" bIns="45720" rtlCol="0" anchor="t">
-            <a:normAutofit/>
-          </a:bodyPr>
-          <a:lstStyle>
-            <a:lvl1pPr algn="l" defTabSz="457200" rtl="0" eaLnBrk="1" latinLnBrk="0" hangingPunct="1">
-              <a:spcBef>
-                <a:spcPct val="0"/>
-              </a:spcBef>
-              <a:buNone/>
-              <a:defRPr sz="3600" kern="1200">
-                <a:solidFill>
-                  <a:schemeClr val="accent1"/>
-                </a:solidFill>
-                <a:latin typeface="+mj-lt"/>
-                <a:ea typeface="+mj-ea"/>
-                <a:cs typeface="+mj-cs"/>
-              </a:defRPr>
-            </a:lvl1pPr>
-            <a:lvl2pPr eaLnBrk="1" hangingPunct="1">
-              <a:defRPr>
-                <a:solidFill>
-                  <a:schemeClr val="tx2"/>
-                </a:solidFill>
-              </a:defRPr>
-            </a:lvl2pPr>
-            <a:lvl3pPr eaLnBrk="1" hangingPunct="1">
-              <a:defRPr>
-                <a:solidFill>
-                  <a:schemeClr val="tx2"/>
-                </a:solidFill>
-              </a:defRPr>
-            </a:lvl3pPr>
-            <a:lvl4pPr eaLnBrk="1" hangingPunct="1">
-              <a:defRPr>
-                <a:solidFill>
-                  <a:schemeClr val="tx2"/>
-                </a:solidFill>
-              </a:defRPr>
-            </a:lvl4pPr>
-            <a:lvl5pPr eaLnBrk="1" hangingPunct="1">
-              <a:defRPr>
-                <a:solidFill>
-                  <a:schemeClr val="tx2"/>
-                </a:solidFill>
-              </a:defRPr>
-            </a:lvl5pPr>
-            <a:lvl6pPr eaLnBrk="1" hangingPunct="1">
-              <a:defRPr>
-                <a:solidFill>
-                  <a:schemeClr val="tx2"/>
-                </a:solidFill>
-              </a:defRPr>
-            </a:lvl6pPr>
-            <a:lvl7pPr eaLnBrk="1" hangingPunct="1">
-              <a:defRPr>
-                <a:solidFill>
-                  <a:schemeClr val="tx2"/>
-                </a:solidFill>
-              </a:defRPr>
-            </a:lvl7pPr>
-            <a:lvl8pPr eaLnBrk="1" hangingPunct="1">
-              <a:defRPr>
-                <a:solidFill>
-                  <a:schemeClr val="tx2"/>
-                </a:solidFill>
-              </a:defRPr>
-            </a:lvl8pPr>
-            <a:lvl9pPr eaLnBrk="1" hangingPunct="1">
-              <a:defRPr>
-                <a:solidFill>
-                  <a:schemeClr val="tx2"/>
-                </a:solidFill>
-              </a:defRPr>
-            </a:lvl9pPr>
-          </a:lstStyle>
-          <a:p>
-            <a:r>
-              <a:rPr lang="en-CA" sz="7200" dirty="0" smtClean="0"/>
-              <a:t>vs</a:t>
-            </a:r>
-            <a:endParaRPr lang="en-CA" sz="7200" dirty="0"/>
-          </a:p>
-        </p:txBody>
-      </p:sp>
-      <p:sp>
-        <p:nvSpPr>
-          <p:cNvPr id="8" name="Rectangle 7"/>
-          <p:cNvSpPr/>
-          <p:nvPr/>
-        </p:nvSpPr>
-        <p:spPr>
-          <a:xfrm>
-            <a:off x="5865770" y="1546064"/>
-            <a:ext cx="2451313" cy="3170099"/>
-          </a:xfrm>
-          <a:prstGeom prst="rect">
-            <a:avLst/>
-          </a:prstGeom>
-        </p:spPr>
-        <p:txBody>
-          <a:bodyPr wrap="none">
-            <a:spAutoFit/>
-            <a:scene3d>
-              <a:camera prst="orthographicFront"/>
-              <a:lightRig rig="threePt" dir="t"/>
-            </a:scene3d>
-            <a:sp3d extrusionH="57150">
-              <a:bevelT w="38100" h="38100" prst="angle"/>
-            </a:sp3d>
-          </a:bodyPr>
-          <a:lstStyle/>
-          <a:p>
-            <a:pPr algn="ctr"/>
-            <a:r>
-              <a:rPr lang="en-US" sz="20000" b="1" dirty="0" smtClean="0">
-                <a:ln>
-                  <a:solidFill>
-                    <a:schemeClr val="tx2">
-                      <a:lumMod val="90000"/>
-                    </a:schemeClr>
-                  </a:solidFill>
-                </a:ln>
-                <a:solidFill>
-                  <a:schemeClr val="tx2">
-                    <a:lumMod val="90000"/>
-                  </a:schemeClr>
-                </a:solidFill>
-                <a:effectLst>
-                  <a:glow rad="63500">
-                    <a:schemeClr val="tx1">
-                      <a:alpha val="40000"/>
-                    </a:schemeClr>
-                  </a:glow>
-                </a:effectLst>
-              </a:rPr>
-              <a:t>W</a:t>
-            </a:r>
-            <a:endParaRPr lang="en-US" sz="20000" b="1" dirty="0">
-              <a:ln>
-                <a:solidFill>
-                  <a:schemeClr val="tx2">
-                    <a:lumMod val="90000"/>
-                  </a:schemeClr>
-                </a:solidFill>
-              </a:ln>
-              <a:solidFill>
-                <a:schemeClr val="tx2">
-                  <a:lumMod val="90000"/>
-                </a:schemeClr>
-              </a:solidFill>
-              <a:effectLst>
-                <a:glow rad="63500">
-                  <a:schemeClr val="tx1">
-                    <a:alpha val="40000"/>
-                  </a:schemeClr>
-                </a:glow>
-              </a:effectLst>
-            </a:endParaRPr>
-          </a:p>
-        </p:txBody>
-      </p:sp>
-    </p:spTree>
-    <p:extLst>
-      <p:ext uri="{BB962C8B-B14F-4D97-AF65-F5344CB8AC3E}">
-        <p14:creationId xmlns:p14="http://schemas.microsoft.com/office/powerpoint/2010/main" val="1977469588"/>
-      </p:ext>
-    </p:extLst>
-  </p:cSld>
-  <p:clrMapOvr>
-    <a:masterClrMapping/>
-  </p:clrMapOvr>
-  <mc:AlternateContent xmlns:mc="http://schemas.openxmlformats.org/markup-compatibility/2006" xmlns:p14="http://schemas.microsoft.com/office/powerpoint/2010/main">
-    <mc:Choice Requires="p14">
-      <p:transition spd="slow" p14:dur="1200">
-        <p14:prism dir="d"/>
-      </p:transition>
-    </mc:Choice>
-    <mc:Fallback xmlns="">
-      <p:transition spd="slow">
-        <p:fade/>
-      </p:transition>
-    </mc:Fallback>
-  </mc:AlternateContent>
-  <p:timing>
-    <p:tnLst>
-      <p:par>
-        <p:cTn id="1" dur="indefinite" restart="never" nodeType="tmRoot">
-          <p:childTnLst>
-            <p:seq concurrent="1" nextAc="seek">
-              <p:cTn id="2" dur="indefinite" nodeType="mainSeq">
-                <p:childTnLst>
-                  <p:par>
-                    <p:cTn id="3" fill="hold">
-                      <p:stCondLst>
-                        <p:cond delay="indefinite"/>
-                      </p:stCondLst>
-                      <p:childTnLst>
-                        <p:par>
-                          <p:cTn id="4" fill="hold">
-                            <p:stCondLst>
-                              <p:cond delay="0"/>
-                            </p:stCondLst>
-                            <p:childTnLst>
-                              <p:par>
-                                <p:cTn id="5" presetID="22" presetClass="entr" presetSubtype="8" fill="hold" grpId="0" nodeType="clickEffect">
-                                  <p:stCondLst>
-                                    <p:cond delay="0"/>
-                                  </p:stCondLst>
-                                  <p:childTnLst>
-                                    <p:set>
-                                      <p:cBhvr>
-                                        <p:cTn id="6" dur="1" fill="hold">
-                                          <p:stCondLst>
-                                            <p:cond delay="0"/>
-                                          </p:stCondLst>
-                                        </p:cTn>
-                                        <p:tgtEl>
-                                          <p:spTgt spid="5"/>
-                                        </p:tgtEl>
-                                        <p:attrNameLst>
-                                          <p:attrName>style.visibility</p:attrName>
-                                        </p:attrNameLst>
-                                      </p:cBhvr>
-                                      <p:to>
-                                        <p:strVal val="visible"/>
-                                      </p:to>
-                                    </p:set>
-                                    <p:animEffect transition="in" filter="wipe(left)">
-                                      <p:cBhvr>
-                                        <p:cTn id="7" dur="1000"/>
-                                        <p:tgtEl>
-                                          <p:spTgt spid="5"/>
-                                        </p:tgtEl>
-                                      </p:cBhvr>
-                                    </p:animEffect>
-                                  </p:childTnLst>
-                                </p:cTn>
-                              </p:par>
-                            </p:childTnLst>
-                          </p:cTn>
-                        </p:par>
-                        <p:par>
-                          <p:cTn id="8" fill="hold">
-                            <p:stCondLst>
-                              <p:cond delay="1000"/>
-                            </p:stCondLst>
-                            <p:childTnLst>
-                              <p:par>
-                                <p:cTn id="9" presetID="22" presetClass="entr" presetSubtype="8" fill="hold" grpId="0" nodeType="afterEffect">
-                                  <p:stCondLst>
-                                    <p:cond delay="0"/>
-                                  </p:stCondLst>
-                                  <p:childTnLst>
-                                    <p:set>
-                                      <p:cBhvr>
-                                        <p:cTn id="10" dur="1" fill="hold">
-                                          <p:stCondLst>
-                                            <p:cond delay="0"/>
-                                          </p:stCondLst>
-                                        </p:cTn>
-                                        <p:tgtEl>
-                                          <p:spTgt spid="7"/>
-                                        </p:tgtEl>
-                                        <p:attrNameLst>
-                                          <p:attrName>style.visibility</p:attrName>
-                                        </p:attrNameLst>
-                                      </p:cBhvr>
-                                      <p:to>
-                                        <p:strVal val="visible"/>
-                                      </p:to>
-                                    </p:set>
-                                    <p:animEffect transition="in" filter="wipe(left)">
-                                      <p:cBhvr>
-                                        <p:cTn id="11" dur="1000"/>
-                                        <p:tgtEl>
-                                          <p:spTgt spid="7"/>
-                                        </p:tgtEl>
-                                      </p:cBhvr>
-                                    </p:animEffect>
-                                  </p:childTnLst>
-                                </p:cTn>
-                              </p:par>
-                            </p:childTnLst>
-                          </p:cTn>
-                        </p:par>
-                        <p:par>
-                          <p:cTn id="12" fill="hold">
-                            <p:stCondLst>
-                              <p:cond delay="2000"/>
-                            </p:stCondLst>
-                            <p:childTnLst>
-                              <p:par>
-                                <p:cTn id="13" presetID="22" presetClass="entr" presetSubtype="8" fill="hold" grpId="0" nodeType="afterEffect">
-                                  <p:stCondLst>
-                                    <p:cond delay="0"/>
-                                  </p:stCondLst>
-                                  <p:childTnLst>
-                                    <p:set>
-                                      <p:cBhvr>
-                                        <p:cTn id="14" dur="1" fill="hold">
-                                          <p:stCondLst>
-                                            <p:cond delay="0"/>
-                                          </p:stCondLst>
-                                        </p:cTn>
-                                        <p:tgtEl>
-                                          <p:spTgt spid="8"/>
-                                        </p:tgtEl>
-                                        <p:attrNameLst>
-                                          <p:attrName>style.visibility</p:attrName>
-                                        </p:attrNameLst>
-                                      </p:cBhvr>
-                                      <p:to>
-                                        <p:strVal val="visible"/>
-                                      </p:to>
-                                    </p:set>
-                                    <p:animEffect transition="in" filter="wipe(left)">
-                                      <p:cBhvr>
-                                        <p:cTn id="15" dur="1000"/>
-                                        <p:tgtEl>
-                                          <p:spTgt spid="8"/>
-                                        </p:tgtEl>
-                                      </p:cBhvr>
-                                    </p:animEffect>
-                                  </p:childTnLst>
-                                </p:cTn>
-                              </p:par>
-                            </p:childTnLst>
-                          </p:cTn>
-                        </p:par>
-                      </p:childTnLst>
-                    </p:cTn>
-                  </p:par>
-                </p:childTnLst>
-              </p:cTn>
-              <p:prevCondLst>
-                <p:cond evt="onPrev" delay="0">
-                  <p:tgtEl>
-                    <p:sldTgt/>
-                  </p:tgtEl>
-                </p:cond>
-              </p:prevCondLst>
-              <p:nextCondLst>
-                <p:cond evt="onNext" delay="0">
-                  <p:tgtEl>
-                    <p:sldTgt/>
-                  </p:tgtEl>
-                </p:cond>
-              </p:nextCondLst>
-            </p:seq>
-          </p:childTnLst>
-        </p:cTn>
-      </p:par>
-    </p:tnLst>
-    <p:bldLst>
-      <p:bldP spid="5" grpId="0"/>
-      <p:bldP spid="7" grpId="0"/>
-      <p:bldP spid="8" grpId="0"/>
-    </p:bldLst>
-  </p:timing>
-</p:sld>
-</file>
-
-<file path=ppt/slides/slide4.xml><?xml version="1.0" encoding="utf-8"?>
-<p:sld xmlns:a="http://schemas.openxmlformats.org/drawingml/2006/main" xmlns:r="http://schemas.openxmlformats.org/officeDocument/2006/relationships" xmlns:p="http://schemas.openxmlformats.org/presentationml/2006/main">
-  <p:cSld>
-    <p:spTree>
-      <p:nvGrpSpPr>
-        <p:cNvPr id="1" name=""/>
-        <p:cNvGrpSpPr/>
-        <p:nvPr/>
-      </p:nvGrpSpPr>
-      <p:grpSpPr>
-        <a:xfrm>
-          <a:off x="0" y="0"/>
-          <a:ext cx="0" cy="0"/>
-          <a:chOff x="0" y="0"/>
-          <a:chExt cx="0" cy="0"/>
-        </a:xfrm>
-      </p:grpSpPr>
-      <p:sp>
-        <p:nvSpPr>
-          <p:cNvPr id="2" name="Title 1"/>
-          <p:cNvSpPr>
-            <a:spLocks noGrp="1"/>
-          </p:cNvSpPr>
-          <p:nvPr>
-            <p:ph type="title"/>
-          </p:nvPr>
-        </p:nvSpPr>
-        <p:spPr/>
-        <p:txBody>
-          <a:bodyPr/>
-          <a:lstStyle/>
-          <a:p>
-            <a:r>
-              <a:rPr lang="en-CA" dirty="0" smtClean="0"/>
+              <a:rPr lang="en-CA" dirty="0"/>
               <a:t>Language Rules</a:t>
             </a:r>
-            <a:endParaRPr lang="en-CA" dirty="0"/>
           </a:p>
         </p:txBody>
       </p:sp>
@@ -7288,7 +6801,7 @@
 </p:sld>
 </file>
 
-<file path=ppt/slides/slide5.xml><?xml version="1.0" encoding="utf-8"?>
+<file path=ppt/slides/slide4.xml><?xml version="1.0" encoding="utf-8"?>
 <p:sld xmlns:a="http://schemas.openxmlformats.org/drawingml/2006/main" xmlns:r="http://schemas.openxmlformats.org/officeDocument/2006/relationships" xmlns:p="http://schemas.openxmlformats.org/presentationml/2006/main">
   <p:cSld>
     <p:spTree>
@@ -7321,10 +6834,9 @@
           <a:lstStyle/>
           <a:p>
             <a:r>
-              <a:rPr lang="en-CA" dirty="0" smtClean="0"/>
+              <a:rPr lang="en-CA" dirty="0"/>
               <a:t>Evaluation Rules</a:t>
             </a:r>
-            <a:endParaRPr lang="en-CA" dirty="0"/>
           </a:p>
         </p:txBody>
       </p:sp>
@@ -7792,7 +7304,7 @@
 </p:sld>
 </file>
 
-<file path=ppt/slides/slide6.xml><?xml version="1.0" encoding="utf-8"?>
+<file path=ppt/slides/slide5.xml><?xml version="1.0" encoding="utf-8"?>
 <p:sld xmlns:a="http://schemas.openxmlformats.org/drawingml/2006/main" xmlns:r="http://schemas.openxmlformats.org/officeDocument/2006/relationships" xmlns:p="http://schemas.openxmlformats.org/presentationml/2006/main">
   <p:cSld>
     <p:spTree>
@@ -7825,10 +7337,9 @@
           <a:lstStyle/>
           <a:p>
             <a:r>
-              <a:rPr lang="en-CA" dirty="0" smtClean="0"/>
+              <a:rPr lang="en-CA" dirty="0"/>
               <a:t>Evaluation Rules</a:t>
             </a:r>
-            <a:endParaRPr lang="en-CA" dirty="0"/>
           </a:p>
         </p:txBody>
       </p:sp>
@@ -8253,6 +7764,1358 @@
 </p:sld>
 </file>
 
+<file path=ppt/slides/slide6.xml><?xml version="1.0" encoding="utf-8"?>
+<p:sld xmlns:a="http://schemas.openxmlformats.org/drawingml/2006/main" xmlns:r="http://schemas.openxmlformats.org/officeDocument/2006/relationships" xmlns:p="http://schemas.openxmlformats.org/presentationml/2006/main">
+  <p:cSld>
+    <p:bg>
+      <p:bgPr>
+        <a:solidFill>
+          <a:schemeClr val="bg1"/>
+        </a:solidFill>
+        <a:effectLst/>
+      </p:bgPr>
+    </p:bg>
+    <p:spTree>
+      <p:nvGrpSpPr>
+        <p:cNvPr id="1" name=""/>
+        <p:cNvGrpSpPr/>
+        <p:nvPr/>
+      </p:nvGrpSpPr>
+      <p:grpSpPr>
+        <a:xfrm>
+          <a:off x="0" y="0"/>
+          <a:ext cx="0" cy="0"/>
+          <a:chOff x="0" y="0"/>
+          <a:chExt cx="0" cy="0"/>
+        </a:xfrm>
+      </p:grpSpPr>
+      <p:sp>
+        <p:nvSpPr>
+          <p:cNvPr id="2" name="Title 1"/>
+          <p:cNvSpPr>
+            <a:spLocks noGrp="1"/>
+          </p:cNvSpPr>
+          <p:nvPr>
+            <p:ph type="title"/>
+          </p:nvPr>
+        </p:nvSpPr>
+        <p:spPr/>
+        <p:txBody>
+          <a:bodyPr/>
+          <a:lstStyle/>
+          <a:p>
+            <a:r>
+              <a:rPr lang="en-CA" dirty="0"/>
+              <a:t>Our work</a:t>
+            </a:r>
+          </a:p>
+        </p:txBody>
+      </p:sp>
+      <p:sp>
+        <p:nvSpPr>
+          <p:cNvPr id="5" name="Rectangle 4"/>
+          <p:cNvSpPr/>
+          <p:nvPr/>
+        </p:nvSpPr>
+        <p:spPr>
+          <a:xfrm>
+            <a:off x="7682355" y="1815173"/>
+            <a:ext cx="2095446" cy="3170099"/>
+          </a:xfrm>
+          <a:prstGeom prst="rect">
+            <a:avLst/>
+          </a:prstGeom>
+        </p:spPr>
+        <p:txBody>
+          <a:bodyPr wrap="none">
+            <a:spAutoFit/>
+            <a:scene3d>
+              <a:camera prst="orthographicFront"/>
+              <a:lightRig rig="threePt" dir="t"/>
+            </a:scene3d>
+            <a:sp3d extrusionH="57150">
+              <a:bevelT w="38100" h="38100" prst="angle"/>
+            </a:sp3d>
+          </a:bodyPr>
+          <a:lstStyle/>
+          <a:p>
+            <a:pPr algn="ctr"/>
+            <a:r>
+              <a:rPr lang="en-US" sz="20000" b="1" dirty="0">
+                <a:ln/>
+                <a:solidFill>
+                  <a:schemeClr val="accent3"/>
+                </a:solidFill>
+                <a:effectLst>
+                  <a:glow rad="63500">
+                    <a:schemeClr val="accent3">
+                      <a:satMod val="175000"/>
+                      <a:alpha val="40000"/>
+                    </a:schemeClr>
+                  </a:glow>
+                </a:effectLst>
+              </a:rPr>
+              <a:t>M</a:t>
+            </a:r>
+          </a:p>
+        </p:txBody>
+      </p:sp>
+      <p:sp>
+        <p:nvSpPr>
+          <p:cNvPr id="7" name="Title 1"/>
+          <p:cNvSpPr txBox="1">
+            <a:spLocks/>
+          </p:cNvSpPr>
+          <p:nvPr/>
+        </p:nvSpPr>
+        <p:spPr>
+          <a:xfrm>
+            <a:off x="4847219" y="3138615"/>
+            <a:ext cx="1294025" cy="1320800"/>
+          </a:xfrm>
+          <a:prstGeom prst="rect">
+            <a:avLst/>
+          </a:prstGeom>
+        </p:spPr>
+        <p:txBody>
+          <a:bodyPr vert="horz" lIns="91440" tIns="45720" rIns="91440" bIns="45720" rtlCol="0" anchor="t">
+            <a:normAutofit/>
+          </a:bodyPr>
+          <a:lstStyle>
+            <a:lvl1pPr algn="l" defTabSz="457200" rtl="0" eaLnBrk="1" latinLnBrk="0" hangingPunct="1">
+              <a:spcBef>
+                <a:spcPct val="0"/>
+              </a:spcBef>
+              <a:buNone/>
+              <a:defRPr sz="3600" kern="1200">
+                <a:solidFill>
+                  <a:schemeClr val="accent1"/>
+                </a:solidFill>
+                <a:latin typeface="+mj-lt"/>
+                <a:ea typeface="+mj-ea"/>
+                <a:cs typeface="+mj-cs"/>
+              </a:defRPr>
+            </a:lvl1pPr>
+            <a:lvl2pPr eaLnBrk="1" hangingPunct="1">
+              <a:defRPr>
+                <a:solidFill>
+                  <a:schemeClr val="tx2"/>
+                </a:solidFill>
+              </a:defRPr>
+            </a:lvl2pPr>
+            <a:lvl3pPr eaLnBrk="1" hangingPunct="1">
+              <a:defRPr>
+                <a:solidFill>
+                  <a:schemeClr val="tx2"/>
+                </a:solidFill>
+              </a:defRPr>
+            </a:lvl3pPr>
+            <a:lvl4pPr eaLnBrk="1" hangingPunct="1">
+              <a:defRPr>
+                <a:solidFill>
+                  <a:schemeClr val="tx2"/>
+                </a:solidFill>
+              </a:defRPr>
+            </a:lvl4pPr>
+            <a:lvl5pPr eaLnBrk="1" hangingPunct="1">
+              <a:defRPr>
+                <a:solidFill>
+                  <a:schemeClr val="tx2"/>
+                </a:solidFill>
+              </a:defRPr>
+            </a:lvl5pPr>
+            <a:lvl6pPr eaLnBrk="1" hangingPunct="1">
+              <a:defRPr>
+                <a:solidFill>
+                  <a:schemeClr val="tx2"/>
+                </a:solidFill>
+              </a:defRPr>
+            </a:lvl6pPr>
+            <a:lvl7pPr eaLnBrk="1" hangingPunct="1">
+              <a:defRPr>
+                <a:solidFill>
+                  <a:schemeClr val="tx2"/>
+                </a:solidFill>
+              </a:defRPr>
+            </a:lvl7pPr>
+            <a:lvl8pPr eaLnBrk="1" hangingPunct="1">
+              <a:defRPr>
+                <a:solidFill>
+                  <a:schemeClr val="tx2"/>
+                </a:solidFill>
+              </a:defRPr>
+            </a:lvl8pPr>
+            <a:lvl9pPr eaLnBrk="1" hangingPunct="1">
+              <a:defRPr>
+                <a:solidFill>
+                  <a:schemeClr val="tx2"/>
+                </a:solidFill>
+              </a:defRPr>
+            </a:lvl9pPr>
+          </a:lstStyle>
+          <a:p>
+            <a:r>
+              <a:rPr lang="en-CA" sz="7200" dirty="0"/>
+              <a:t>vs</a:t>
+            </a:r>
+          </a:p>
+        </p:txBody>
+      </p:sp>
+      <p:sp>
+        <p:nvSpPr>
+          <p:cNvPr id="8" name="Rectangle 7"/>
+          <p:cNvSpPr/>
+          <p:nvPr/>
+        </p:nvSpPr>
+        <p:spPr>
+          <a:xfrm>
+            <a:off x="2049756" y="1815174"/>
+            <a:ext cx="2451313" cy="3170099"/>
+          </a:xfrm>
+          <a:prstGeom prst="rect">
+            <a:avLst/>
+          </a:prstGeom>
+        </p:spPr>
+        <p:txBody>
+          <a:bodyPr wrap="none">
+            <a:spAutoFit/>
+            <a:scene3d>
+              <a:camera prst="orthographicFront"/>
+              <a:lightRig rig="threePt" dir="t"/>
+            </a:scene3d>
+            <a:sp3d extrusionH="57150">
+              <a:bevelT w="38100" h="38100" prst="angle"/>
+            </a:sp3d>
+          </a:bodyPr>
+          <a:lstStyle/>
+          <a:p>
+            <a:pPr algn="ctr"/>
+            <a:r>
+              <a:rPr lang="en-US" sz="20000" b="1" dirty="0">
+                <a:ln>
+                  <a:solidFill>
+                    <a:schemeClr val="tx2">
+                      <a:lumMod val="90000"/>
+                    </a:schemeClr>
+                  </a:solidFill>
+                </a:ln>
+                <a:solidFill>
+                  <a:schemeClr val="tx2">
+                    <a:lumMod val="90000"/>
+                  </a:schemeClr>
+                </a:solidFill>
+                <a:effectLst>
+                  <a:glow rad="63500">
+                    <a:schemeClr val="tx1">
+                      <a:alpha val="40000"/>
+                    </a:schemeClr>
+                  </a:glow>
+                </a:effectLst>
+              </a:rPr>
+              <a:t>W</a:t>
+            </a:r>
+          </a:p>
+        </p:txBody>
+      </p:sp>
+      <p:sp>
+        <p:nvSpPr>
+          <p:cNvPr id="3" name="TextBox 2">
+            <a:extLst>
+              <a:ext uri="{FF2B5EF4-FFF2-40B4-BE49-F238E27FC236}">
+                <a16:creationId xmlns:a16="http://schemas.microsoft.com/office/drawing/2014/main" id="{24F118FA-12A9-9048-953D-D682EF2F5C0F}"/>
+              </a:ext>
+            </a:extLst>
+          </p:cNvPr>
+          <p:cNvSpPr txBox="1"/>
+          <p:nvPr/>
+        </p:nvSpPr>
+        <p:spPr>
+          <a:xfrm>
+            <a:off x="380853" y="3138615"/>
+            <a:ext cx="1927133" cy="523220"/>
+          </a:xfrm>
+          <a:prstGeom prst="rect">
+            <a:avLst/>
+          </a:prstGeom>
+          <a:noFill/>
+        </p:spPr>
+        <p:txBody>
+          <a:bodyPr wrap="square" rtlCol="0">
+            <a:spAutoFit/>
+          </a:bodyPr>
+          <a:lstStyle/>
+          <a:p>
+            <a:r>
+              <a:rPr lang="en-US" sz="2800" dirty="0"/>
+              <a:t>Algorithm</a:t>
+            </a:r>
+          </a:p>
+        </p:txBody>
+      </p:sp>
+      <p:sp>
+        <p:nvSpPr>
+          <p:cNvPr id="9" name="TextBox 8">
+            <a:extLst>
+              <a:ext uri="{FF2B5EF4-FFF2-40B4-BE49-F238E27FC236}">
+                <a16:creationId xmlns:a16="http://schemas.microsoft.com/office/drawing/2014/main" id="{293E5EFA-F72F-CA4D-A437-57B08DBDC1FE}"/>
+              </a:ext>
+            </a:extLst>
+          </p:cNvPr>
+          <p:cNvSpPr txBox="1"/>
+          <p:nvPr/>
+        </p:nvSpPr>
+        <p:spPr>
+          <a:xfrm>
+            <a:off x="6078402" y="3138615"/>
+            <a:ext cx="1927133" cy="523220"/>
+          </a:xfrm>
+          <a:prstGeom prst="rect">
+            <a:avLst/>
+          </a:prstGeom>
+          <a:noFill/>
+        </p:spPr>
+        <p:txBody>
+          <a:bodyPr wrap="square" rtlCol="0">
+            <a:spAutoFit/>
+          </a:bodyPr>
+          <a:lstStyle/>
+          <a:p>
+            <a:r>
+              <a:rPr lang="en-US" sz="2800" dirty="0">
+                <a:solidFill>
+                  <a:srgbClr val="F4C524"/>
+                </a:solidFill>
+              </a:rPr>
+              <a:t>Algorithm</a:t>
+            </a:r>
+          </a:p>
+        </p:txBody>
+      </p:sp>
+      <p:sp>
+        <p:nvSpPr>
+          <p:cNvPr id="4" name="TextBox 3">
+            <a:extLst>
+              <a:ext uri="{FF2B5EF4-FFF2-40B4-BE49-F238E27FC236}">
+                <a16:creationId xmlns:a16="http://schemas.microsoft.com/office/drawing/2014/main" id="{975645BF-FC8D-254A-821E-A07922884948}"/>
+              </a:ext>
+            </a:extLst>
+          </p:cNvPr>
+          <p:cNvSpPr txBox="1"/>
+          <p:nvPr/>
+        </p:nvSpPr>
+        <p:spPr>
+          <a:xfrm>
+            <a:off x="1477108" y="5148775"/>
+            <a:ext cx="4207322" cy="369332"/>
+          </a:xfrm>
+          <a:prstGeom prst="rect">
+            <a:avLst/>
+          </a:prstGeom>
+          <a:noFill/>
+        </p:spPr>
+        <p:txBody>
+          <a:bodyPr wrap="square" rtlCol="0">
+            <a:spAutoFit/>
+          </a:bodyPr>
+          <a:lstStyle/>
+          <a:p>
+            <a:r>
+              <a:rPr lang="en-US" dirty="0"/>
+              <a:t>- Bottom – top approach</a:t>
+            </a:r>
+          </a:p>
+        </p:txBody>
+      </p:sp>
+      <p:sp>
+        <p:nvSpPr>
+          <p:cNvPr id="10" name="TextBox 9">
+            <a:extLst>
+              <a:ext uri="{FF2B5EF4-FFF2-40B4-BE49-F238E27FC236}">
+                <a16:creationId xmlns:a16="http://schemas.microsoft.com/office/drawing/2014/main" id="{2A3A26EA-193A-D443-AECA-5631B518193C}"/>
+              </a:ext>
+            </a:extLst>
+          </p:cNvPr>
+          <p:cNvSpPr txBox="1"/>
+          <p:nvPr/>
+        </p:nvSpPr>
+        <p:spPr>
+          <a:xfrm>
+            <a:off x="5901874" y="5103820"/>
+            <a:ext cx="4207322" cy="369332"/>
+          </a:xfrm>
+          <a:prstGeom prst="rect">
+            <a:avLst/>
+          </a:prstGeom>
+          <a:noFill/>
+        </p:spPr>
+        <p:txBody>
+          <a:bodyPr wrap="square" rtlCol="0">
+            <a:spAutoFit/>
+          </a:bodyPr>
+          <a:lstStyle/>
+          <a:p>
+            <a:r>
+              <a:rPr lang="en-US" dirty="0"/>
+              <a:t>- Top – bottom approach</a:t>
+            </a:r>
+          </a:p>
+        </p:txBody>
+      </p:sp>
+      <p:sp>
+        <p:nvSpPr>
+          <p:cNvPr id="11" name="TextBox 10">
+            <a:extLst>
+              <a:ext uri="{FF2B5EF4-FFF2-40B4-BE49-F238E27FC236}">
+                <a16:creationId xmlns:a16="http://schemas.microsoft.com/office/drawing/2014/main" id="{A4160A73-D397-7A41-A845-629ADF0A2351}"/>
+              </a:ext>
+            </a:extLst>
+          </p:cNvPr>
+          <p:cNvSpPr txBox="1"/>
+          <p:nvPr/>
+        </p:nvSpPr>
+        <p:spPr>
+          <a:xfrm>
+            <a:off x="1477108" y="5761688"/>
+            <a:ext cx="4207322" cy="369332"/>
+          </a:xfrm>
+          <a:prstGeom prst="rect">
+            <a:avLst/>
+          </a:prstGeom>
+          <a:noFill/>
+        </p:spPr>
+        <p:txBody>
+          <a:bodyPr wrap="square" rtlCol="0">
+            <a:spAutoFit/>
+          </a:bodyPr>
+          <a:lstStyle/>
+          <a:p>
+            <a:r>
+              <a:rPr lang="en-US" dirty="0"/>
+              <a:t>- Considers more expressions</a:t>
+            </a:r>
+          </a:p>
+        </p:txBody>
+      </p:sp>
+      <p:sp>
+        <p:nvSpPr>
+          <p:cNvPr id="12" name="TextBox 11">
+            <a:extLst>
+              <a:ext uri="{FF2B5EF4-FFF2-40B4-BE49-F238E27FC236}">
+                <a16:creationId xmlns:a16="http://schemas.microsoft.com/office/drawing/2014/main" id="{BA90E2DA-2E7E-7A4D-AF26-F1C515F8C0F9}"/>
+              </a:ext>
+            </a:extLst>
+          </p:cNvPr>
+          <p:cNvSpPr txBox="1"/>
+          <p:nvPr/>
+        </p:nvSpPr>
+        <p:spPr>
+          <a:xfrm>
+            <a:off x="5901874" y="5761688"/>
+            <a:ext cx="4207322" cy="369332"/>
+          </a:xfrm>
+          <a:prstGeom prst="rect">
+            <a:avLst/>
+          </a:prstGeom>
+          <a:noFill/>
+        </p:spPr>
+        <p:txBody>
+          <a:bodyPr wrap="square" rtlCol="0">
+            <a:spAutoFit/>
+          </a:bodyPr>
+          <a:lstStyle/>
+          <a:p>
+            <a:r>
+              <a:rPr lang="en-US" dirty="0"/>
+              <a:t>- Considers less expressions</a:t>
+            </a:r>
+          </a:p>
+        </p:txBody>
+      </p:sp>
+    </p:spTree>
+    <p:extLst>
+      <p:ext uri="{BB962C8B-B14F-4D97-AF65-F5344CB8AC3E}">
+        <p14:creationId xmlns:p14="http://schemas.microsoft.com/office/powerpoint/2010/main" val="1977469588"/>
+      </p:ext>
+    </p:extLst>
+  </p:cSld>
+  <p:clrMapOvr>
+    <a:masterClrMapping/>
+  </p:clrMapOvr>
+  <mc:AlternateContent xmlns:mc="http://schemas.openxmlformats.org/markup-compatibility/2006" xmlns:p14="http://schemas.microsoft.com/office/powerpoint/2010/main">
+    <mc:Choice Requires="p14">
+      <p:transition spd="slow" p14:dur="1200">
+        <p14:prism dir="d"/>
+      </p:transition>
+    </mc:Choice>
+    <mc:Fallback xmlns="">
+      <p:transition spd="slow">
+        <p:fade/>
+      </p:transition>
+    </mc:Fallback>
+  </mc:AlternateContent>
+  <p:timing>
+    <p:tnLst>
+      <p:par>
+        <p:cTn id="1" dur="indefinite" restart="never" nodeType="tmRoot">
+          <p:childTnLst>
+            <p:seq concurrent="1" nextAc="seek">
+              <p:cTn id="2" dur="indefinite" nodeType="mainSeq">
+                <p:childTnLst>
+                  <p:par>
+                    <p:cTn id="3" fill="hold">
+                      <p:stCondLst>
+                        <p:cond delay="indefinite"/>
+                      </p:stCondLst>
+                      <p:childTnLst>
+                        <p:par>
+                          <p:cTn id="4" fill="hold">
+                            <p:stCondLst>
+                              <p:cond delay="0"/>
+                            </p:stCondLst>
+                            <p:childTnLst>
+                              <p:par>
+                                <p:cTn id="5" presetID="42" presetClass="entr" presetSubtype="0" fill="hold" grpId="0" nodeType="clickEffect">
+                                  <p:stCondLst>
+                                    <p:cond delay="0"/>
+                                  </p:stCondLst>
+                                  <p:childTnLst>
+                                    <p:set>
+                                      <p:cBhvr>
+                                        <p:cTn id="6" dur="1" fill="hold">
+                                          <p:stCondLst>
+                                            <p:cond delay="0"/>
+                                          </p:stCondLst>
+                                        </p:cTn>
+                                        <p:tgtEl>
+                                          <p:spTgt spid="3"/>
+                                        </p:tgtEl>
+                                        <p:attrNameLst>
+                                          <p:attrName>style.visibility</p:attrName>
+                                        </p:attrNameLst>
+                                      </p:cBhvr>
+                                      <p:to>
+                                        <p:strVal val="visible"/>
+                                      </p:to>
+                                    </p:set>
+                                    <p:animEffect transition="in" filter="fade">
+                                      <p:cBhvr>
+                                        <p:cTn id="7" dur="1000"/>
+                                        <p:tgtEl>
+                                          <p:spTgt spid="3"/>
+                                        </p:tgtEl>
+                                      </p:cBhvr>
+                                    </p:animEffect>
+                                    <p:anim calcmode="lin" valueType="num">
+                                      <p:cBhvr>
+                                        <p:cTn id="8" dur="1000" fill="hold"/>
+                                        <p:tgtEl>
+                                          <p:spTgt spid="3"/>
+                                        </p:tgtEl>
+                                        <p:attrNameLst>
+                                          <p:attrName>ppt_x</p:attrName>
+                                        </p:attrNameLst>
+                                      </p:cBhvr>
+                                      <p:tavLst>
+                                        <p:tav tm="0">
+                                          <p:val>
+                                            <p:strVal val="#ppt_x"/>
+                                          </p:val>
+                                        </p:tav>
+                                        <p:tav tm="100000">
+                                          <p:val>
+                                            <p:strVal val="#ppt_x"/>
+                                          </p:val>
+                                        </p:tav>
+                                      </p:tavLst>
+                                    </p:anim>
+                                    <p:anim calcmode="lin" valueType="num">
+                                      <p:cBhvr>
+                                        <p:cTn id="9" dur="1000" fill="hold"/>
+                                        <p:tgtEl>
+                                          <p:spTgt spid="3"/>
+                                        </p:tgtEl>
+                                        <p:attrNameLst>
+                                          <p:attrName>ppt_y</p:attrName>
+                                        </p:attrNameLst>
+                                      </p:cBhvr>
+                                      <p:tavLst>
+                                        <p:tav tm="0">
+                                          <p:val>
+                                            <p:strVal val="#ppt_y+.1"/>
+                                          </p:val>
+                                        </p:tav>
+                                        <p:tav tm="100000">
+                                          <p:val>
+                                            <p:strVal val="#ppt_y"/>
+                                          </p:val>
+                                        </p:tav>
+                                      </p:tavLst>
+                                    </p:anim>
+                                  </p:childTnLst>
+                                </p:cTn>
+                              </p:par>
+                              <p:par>
+                                <p:cTn id="10" presetID="42" presetClass="entr" presetSubtype="0" fill="hold" grpId="0" nodeType="withEffect">
+                                  <p:stCondLst>
+                                    <p:cond delay="0"/>
+                                  </p:stCondLst>
+                                  <p:childTnLst>
+                                    <p:set>
+                                      <p:cBhvr>
+                                        <p:cTn id="11" dur="1" fill="hold">
+                                          <p:stCondLst>
+                                            <p:cond delay="0"/>
+                                          </p:stCondLst>
+                                        </p:cTn>
+                                        <p:tgtEl>
+                                          <p:spTgt spid="8"/>
+                                        </p:tgtEl>
+                                        <p:attrNameLst>
+                                          <p:attrName>style.visibility</p:attrName>
+                                        </p:attrNameLst>
+                                      </p:cBhvr>
+                                      <p:to>
+                                        <p:strVal val="visible"/>
+                                      </p:to>
+                                    </p:set>
+                                    <p:animEffect transition="in" filter="fade">
+                                      <p:cBhvr>
+                                        <p:cTn id="12" dur="1000"/>
+                                        <p:tgtEl>
+                                          <p:spTgt spid="8"/>
+                                        </p:tgtEl>
+                                      </p:cBhvr>
+                                    </p:animEffect>
+                                    <p:anim calcmode="lin" valueType="num">
+                                      <p:cBhvr>
+                                        <p:cTn id="13" dur="1000" fill="hold"/>
+                                        <p:tgtEl>
+                                          <p:spTgt spid="8"/>
+                                        </p:tgtEl>
+                                        <p:attrNameLst>
+                                          <p:attrName>ppt_x</p:attrName>
+                                        </p:attrNameLst>
+                                      </p:cBhvr>
+                                      <p:tavLst>
+                                        <p:tav tm="0">
+                                          <p:val>
+                                            <p:strVal val="#ppt_x"/>
+                                          </p:val>
+                                        </p:tav>
+                                        <p:tav tm="100000">
+                                          <p:val>
+                                            <p:strVal val="#ppt_x"/>
+                                          </p:val>
+                                        </p:tav>
+                                      </p:tavLst>
+                                    </p:anim>
+                                    <p:anim calcmode="lin" valueType="num">
+                                      <p:cBhvr>
+                                        <p:cTn id="14" dur="1000" fill="hold"/>
+                                        <p:tgtEl>
+                                          <p:spTgt spid="8"/>
+                                        </p:tgtEl>
+                                        <p:attrNameLst>
+                                          <p:attrName>ppt_y</p:attrName>
+                                        </p:attrNameLst>
+                                      </p:cBhvr>
+                                      <p:tavLst>
+                                        <p:tav tm="0">
+                                          <p:val>
+                                            <p:strVal val="#ppt_y+.1"/>
+                                          </p:val>
+                                        </p:tav>
+                                        <p:tav tm="100000">
+                                          <p:val>
+                                            <p:strVal val="#ppt_y"/>
+                                          </p:val>
+                                        </p:tav>
+                                      </p:tavLst>
+                                    </p:anim>
+                                  </p:childTnLst>
+                                </p:cTn>
+                              </p:par>
+                            </p:childTnLst>
+                          </p:cTn>
+                        </p:par>
+                      </p:childTnLst>
+                    </p:cTn>
+                  </p:par>
+                  <p:par>
+                    <p:cTn id="15" fill="hold">
+                      <p:stCondLst>
+                        <p:cond delay="indefinite"/>
+                      </p:stCondLst>
+                      <p:childTnLst>
+                        <p:par>
+                          <p:cTn id="16" fill="hold">
+                            <p:stCondLst>
+                              <p:cond delay="0"/>
+                            </p:stCondLst>
+                            <p:childTnLst>
+                              <p:par>
+                                <p:cTn id="17" presetID="42" presetClass="entr" presetSubtype="0" fill="hold" grpId="0" nodeType="clickEffect">
+                                  <p:stCondLst>
+                                    <p:cond delay="0"/>
+                                  </p:stCondLst>
+                                  <p:childTnLst>
+                                    <p:set>
+                                      <p:cBhvr>
+                                        <p:cTn id="18" dur="1" fill="hold">
+                                          <p:stCondLst>
+                                            <p:cond delay="0"/>
+                                          </p:stCondLst>
+                                        </p:cTn>
+                                        <p:tgtEl>
+                                          <p:spTgt spid="7"/>
+                                        </p:tgtEl>
+                                        <p:attrNameLst>
+                                          <p:attrName>style.visibility</p:attrName>
+                                        </p:attrNameLst>
+                                      </p:cBhvr>
+                                      <p:to>
+                                        <p:strVal val="visible"/>
+                                      </p:to>
+                                    </p:set>
+                                    <p:animEffect transition="in" filter="fade">
+                                      <p:cBhvr>
+                                        <p:cTn id="19" dur="1000"/>
+                                        <p:tgtEl>
+                                          <p:spTgt spid="7"/>
+                                        </p:tgtEl>
+                                      </p:cBhvr>
+                                    </p:animEffect>
+                                    <p:anim calcmode="lin" valueType="num">
+                                      <p:cBhvr>
+                                        <p:cTn id="20" dur="1000" fill="hold"/>
+                                        <p:tgtEl>
+                                          <p:spTgt spid="7"/>
+                                        </p:tgtEl>
+                                        <p:attrNameLst>
+                                          <p:attrName>ppt_x</p:attrName>
+                                        </p:attrNameLst>
+                                      </p:cBhvr>
+                                      <p:tavLst>
+                                        <p:tav tm="0">
+                                          <p:val>
+                                            <p:strVal val="#ppt_x"/>
+                                          </p:val>
+                                        </p:tav>
+                                        <p:tav tm="100000">
+                                          <p:val>
+                                            <p:strVal val="#ppt_x"/>
+                                          </p:val>
+                                        </p:tav>
+                                      </p:tavLst>
+                                    </p:anim>
+                                    <p:anim calcmode="lin" valueType="num">
+                                      <p:cBhvr>
+                                        <p:cTn id="21" dur="1000" fill="hold"/>
+                                        <p:tgtEl>
+                                          <p:spTgt spid="7"/>
+                                        </p:tgtEl>
+                                        <p:attrNameLst>
+                                          <p:attrName>ppt_y</p:attrName>
+                                        </p:attrNameLst>
+                                      </p:cBhvr>
+                                      <p:tavLst>
+                                        <p:tav tm="0">
+                                          <p:val>
+                                            <p:strVal val="#ppt_y+.1"/>
+                                          </p:val>
+                                        </p:tav>
+                                        <p:tav tm="100000">
+                                          <p:val>
+                                            <p:strVal val="#ppt_y"/>
+                                          </p:val>
+                                        </p:tav>
+                                      </p:tavLst>
+                                    </p:anim>
+                                  </p:childTnLst>
+                                </p:cTn>
+                              </p:par>
+                            </p:childTnLst>
+                          </p:cTn>
+                        </p:par>
+                      </p:childTnLst>
+                    </p:cTn>
+                  </p:par>
+                  <p:par>
+                    <p:cTn id="22" fill="hold">
+                      <p:stCondLst>
+                        <p:cond delay="indefinite"/>
+                      </p:stCondLst>
+                      <p:childTnLst>
+                        <p:par>
+                          <p:cTn id="23" fill="hold">
+                            <p:stCondLst>
+                              <p:cond delay="0"/>
+                            </p:stCondLst>
+                            <p:childTnLst>
+                              <p:par>
+                                <p:cTn id="24" presetID="42" presetClass="entr" presetSubtype="0" fill="hold" grpId="0" nodeType="clickEffect">
+                                  <p:stCondLst>
+                                    <p:cond delay="0"/>
+                                  </p:stCondLst>
+                                  <p:childTnLst>
+                                    <p:set>
+                                      <p:cBhvr>
+                                        <p:cTn id="25" dur="1" fill="hold">
+                                          <p:stCondLst>
+                                            <p:cond delay="0"/>
+                                          </p:stCondLst>
+                                        </p:cTn>
+                                        <p:tgtEl>
+                                          <p:spTgt spid="9"/>
+                                        </p:tgtEl>
+                                        <p:attrNameLst>
+                                          <p:attrName>style.visibility</p:attrName>
+                                        </p:attrNameLst>
+                                      </p:cBhvr>
+                                      <p:to>
+                                        <p:strVal val="visible"/>
+                                      </p:to>
+                                    </p:set>
+                                    <p:animEffect transition="in" filter="fade">
+                                      <p:cBhvr>
+                                        <p:cTn id="26" dur="1000"/>
+                                        <p:tgtEl>
+                                          <p:spTgt spid="9"/>
+                                        </p:tgtEl>
+                                      </p:cBhvr>
+                                    </p:animEffect>
+                                    <p:anim calcmode="lin" valueType="num">
+                                      <p:cBhvr>
+                                        <p:cTn id="27" dur="1000" fill="hold"/>
+                                        <p:tgtEl>
+                                          <p:spTgt spid="9"/>
+                                        </p:tgtEl>
+                                        <p:attrNameLst>
+                                          <p:attrName>ppt_x</p:attrName>
+                                        </p:attrNameLst>
+                                      </p:cBhvr>
+                                      <p:tavLst>
+                                        <p:tav tm="0">
+                                          <p:val>
+                                            <p:strVal val="#ppt_x"/>
+                                          </p:val>
+                                        </p:tav>
+                                        <p:tav tm="100000">
+                                          <p:val>
+                                            <p:strVal val="#ppt_x"/>
+                                          </p:val>
+                                        </p:tav>
+                                      </p:tavLst>
+                                    </p:anim>
+                                    <p:anim calcmode="lin" valueType="num">
+                                      <p:cBhvr>
+                                        <p:cTn id="28" dur="1000" fill="hold"/>
+                                        <p:tgtEl>
+                                          <p:spTgt spid="9"/>
+                                        </p:tgtEl>
+                                        <p:attrNameLst>
+                                          <p:attrName>ppt_y</p:attrName>
+                                        </p:attrNameLst>
+                                      </p:cBhvr>
+                                      <p:tavLst>
+                                        <p:tav tm="0">
+                                          <p:val>
+                                            <p:strVal val="#ppt_y+.1"/>
+                                          </p:val>
+                                        </p:tav>
+                                        <p:tav tm="100000">
+                                          <p:val>
+                                            <p:strVal val="#ppt_y"/>
+                                          </p:val>
+                                        </p:tav>
+                                      </p:tavLst>
+                                    </p:anim>
+                                  </p:childTnLst>
+                                </p:cTn>
+                              </p:par>
+                              <p:par>
+                                <p:cTn id="29" presetID="42" presetClass="entr" presetSubtype="0" fill="hold" grpId="0" nodeType="withEffect">
+                                  <p:stCondLst>
+                                    <p:cond delay="0"/>
+                                  </p:stCondLst>
+                                  <p:childTnLst>
+                                    <p:set>
+                                      <p:cBhvr>
+                                        <p:cTn id="30" dur="1" fill="hold">
+                                          <p:stCondLst>
+                                            <p:cond delay="0"/>
+                                          </p:stCondLst>
+                                        </p:cTn>
+                                        <p:tgtEl>
+                                          <p:spTgt spid="5"/>
+                                        </p:tgtEl>
+                                        <p:attrNameLst>
+                                          <p:attrName>style.visibility</p:attrName>
+                                        </p:attrNameLst>
+                                      </p:cBhvr>
+                                      <p:to>
+                                        <p:strVal val="visible"/>
+                                      </p:to>
+                                    </p:set>
+                                    <p:animEffect transition="in" filter="fade">
+                                      <p:cBhvr>
+                                        <p:cTn id="31" dur="1000"/>
+                                        <p:tgtEl>
+                                          <p:spTgt spid="5"/>
+                                        </p:tgtEl>
+                                      </p:cBhvr>
+                                    </p:animEffect>
+                                    <p:anim calcmode="lin" valueType="num">
+                                      <p:cBhvr>
+                                        <p:cTn id="32" dur="1000" fill="hold"/>
+                                        <p:tgtEl>
+                                          <p:spTgt spid="5"/>
+                                        </p:tgtEl>
+                                        <p:attrNameLst>
+                                          <p:attrName>ppt_x</p:attrName>
+                                        </p:attrNameLst>
+                                      </p:cBhvr>
+                                      <p:tavLst>
+                                        <p:tav tm="0">
+                                          <p:val>
+                                            <p:strVal val="#ppt_x"/>
+                                          </p:val>
+                                        </p:tav>
+                                        <p:tav tm="100000">
+                                          <p:val>
+                                            <p:strVal val="#ppt_x"/>
+                                          </p:val>
+                                        </p:tav>
+                                      </p:tavLst>
+                                    </p:anim>
+                                    <p:anim calcmode="lin" valueType="num">
+                                      <p:cBhvr>
+                                        <p:cTn id="33" dur="1000" fill="hold"/>
+                                        <p:tgtEl>
+                                          <p:spTgt spid="5"/>
+                                        </p:tgtEl>
+                                        <p:attrNameLst>
+                                          <p:attrName>ppt_y</p:attrName>
+                                        </p:attrNameLst>
+                                      </p:cBhvr>
+                                      <p:tavLst>
+                                        <p:tav tm="0">
+                                          <p:val>
+                                            <p:strVal val="#ppt_y+.1"/>
+                                          </p:val>
+                                        </p:tav>
+                                        <p:tav tm="100000">
+                                          <p:val>
+                                            <p:strVal val="#ppt_y"/>
+                                          </p:val>
+                                        </p:tav>
+                                      </p:tavLst>
+                                    </p:anim>
+                                  </p:childTnLst>
+                                </p:cTn>
+                              </p:par>
+                            </p:childTnLst>
+                          </p:cTn>
+                        </p:par>
+                      </p:childTnLst>
+                    </p:cTn>
+                  </p:par>
+                  <p:par>
+                    <p:cTn id="34" fill="hold">
+                      <p:stCondLst>
+                        <p:cond delay="indefinite"/>
+                      </p:stCondLst>
+                      <p:childTnLst>
+                        <p:par>
+                          <p:cTn id="35" fill="hold">
+                            <p:stCondLst>
+                              <p:cond delay="0"/>
+                            </p:stCondLst>
+                            <p:childTnLst>
+                              <p:par>
+                                <p:cTn id="36" presetID="42" presetClass="entr" presetSubtype="0" fill="hold" grpId="0" nodeType="clickEffect">
+                                  <p:stCondLst>
+                                    <p:cond delay="0"/>
+                                  </p:stCondLst>
+                                  <p:childTnLst>
+                                    <p:set>
+                                      <p:cBhvr>
+                                        <p:cTn id="37" dur="1" fill="hold">
+                                          <p:stCondLst>
+                                            <p:cond delay="0"/>
+                                          </p:stCondLst>
+                                        </p:cTn>
+                                        <p:tgtEl>
+                                          <p:spTgt spid="4"/>
+                                        </p:tgtEl>
+                                        <p:attrNameLst>
+                                          <p:attrName>style.visibility</p:attrName>
+                                        </p:attrNameLst>
+                                      </p:cBhvr>
+                                      <p:to>
+                                        <p:strVal val="visible"/>
+                                      </p:to>
+                                    </p:set>
+                                    <p:animEffect transition="in" filter="fade">
+                                      <p:cBhvr>
+                                        <p:cTn id="38" dur="1000"/>
+                                        <p:tgtEl>
+                                          <p:spTgt spid="4"/>
+                                        </p:tgtEl>
+                                      </p:cBhvr>
+                                    </p:animEffect>
+                                    <p:anim calcmode="lin" valueType="num">
+                                      <p:cBhvr>
+                                        <p:cTn id="39" dur="1000" fill="hold"/>
+                                        <p:tgtEl>
+                                          <p:spTgt spid="4"/>
+                                        </p:tgtEl>
+                                        <p:attrNameLst>
+                                          <p:attrName>ppt_x</p:attrName>
+                                        </p:attrNameLst>
+                                      </p:cBhvr>
+                                      <p:tavLst>
+                                        <p:tav tm="0">
+                                          <p:val>
+                                            <p:strVal val="#ppt_x"/>
+                                          </p:val>
+                                        </p:tav>
+                                        <p:tav tm="100000">
+                                          <p:val>
+                                            <p:strVal val="#ppt_x"/>
+                                          </p:val>
+                                        </p:tav>
+                                      </p:tavLst>
+                                    </p:anim>
+                                    <p:anim calcmode="lin" valueType="num">
+                                      <p:cBhvr>
+                                        <p:cTn id="40" dur="1000" fill="hold"/>
+                                        <p:tgtEl>
+                                          <p:spTgt spid="4"/>
+                                        </p:tgtEl>
+                                        <p:attrNameLst>
+                                          <p:attrName>ppt_y</p:attrName>
+                                        </p:attrNameLst>
+                                      </p:cBhvr>
+                                      <p:tavLst>
+                                        <p:tav tm="0">
+                                          <p:val>
+                                            <p:strVal val="#ppt_y+.1"/>
+                                          </p:val>
+                                        </p:tav>
+                                        <p:tav tm="100000">
+                                          <p:val>
+                                            <p:strVal val="#ppt_y"/>
+                                          </p:val>
+                                        </p:tav>
+                                      </p:tavLst>
+                                    </p:anim>
+                                  </p:childTnLst>
+                                </p:cTn>
+                              </p:par>
+                              <p:par>
+                                <p:cTn id="41" presetID="42" presetClass="entr" presetSubtype="0" fill="hold" grpId="0" nodeType="withEffect">
+                                  <p:stCondLst>
+                                    <p:cond delay="0"/>
+                                  </p:stCondLst>
+                                  <p:childTnLst>
+                                    <p:set>
+                                      <p:cBhvr>
+                                        <p:cTn id="42" dur="1" fill="hold">
+                                          <p:stCondLst>
+                                            <p:cond delay="0"/>
+                                          </p:stCondLst>
+                                        </p:cTn>
+                                        <p:tgtEl>
+                                          <p:spTgt spid="10"/>
+                                        </p:tgtEl>
+                                        <p:attrNameLst>
+                                          <p:attrName>style.visibility</p:attrName>
+                                        </p:attrNameLst>
+                                      </p:cBhvr>
+                                      <p:to>
+                                        <p:strVal val="visible"/>
+                                      </p:to>
+                                    </p:set>
+                                    <p:animEffect transition="in" filter="fade">
+                                      <p:cBhvr>
+                                        <p:cTn id="43" dur="1000"/>
+                                        <p:tgtEl>
+                                          <p:spTgt spid="10"/>
+                                        </p:tgtEl>
+                                      </p:cBhvr>
+                                    </p:animEffect>
+                                    <p:anim calcmode="lin" valueType="num">
+                                      <p:cBhvr>
+                                        <p:cTn id="44" dur="1000" fill="hold"/>
+                                        <p:tgtEl>
+                                          <p:spTgt spid="10"/>
+                                        </p:tgtEl>
+                                        <p:attrNameLst>
+                                          <p:attrName>ppt_x</p:attrName>
+                                        </p:attrNameLst>
+                                      </p:cBhvr>
+                                      <p:tavLst>
+                                        <p:tav tm="0">
+                                          <p:val>
+                                            <p:strVal val="#ppt_x"/>
+                                          </p:val>
+                                        </p:tav>
+                                        <p:tav tm="100000">
+                                          <p:val>
+                                            <p:strVal val="#ppt_x"/>
+                                          </p:val>
+                                        </p:tav>
+                                      </p:tavLst>
+                                    </p:anim>
+                                    <p:anim calcmode="lin" valueType="num">
+                                      <p:cBhvr>
+                                        <p:cTn id="45" dur="1000" fill="hold"/>
+                                        <p:tgtEl>
+                                          <p:spTgt spid="10"/>
+                                        </p:tgtEl>
+                                        <p:attrNameLst>
+                                          <p:attrName>ppt_y</p:attrName>
+                                        </p:attrNameLst>
+                                      </p:cBhvr>
+                                      <p:tavLst>
+                                        <p:tav tm="0">
+                                          <p:val>
+                                            <p:strVal val="#ppt_y+.1"/>
+                                          </p:val>
+                                        </p:tav>
+                                        <p:tav tm="100000">
+                                          <p:val>
+                                            <p:strVal val="#ppt_y"/>
+                                          </p:val>
+                                        </p:tav>
+                                      </p:tavLst>
+                                    </p:anim>
+                                  </p:childTnLst>
+                                </p:cTn>
+                              </p:par>
+                            </p:childTnLst>
+                          </p:cTn>
+                        </p:par>
+                      </p:childTnLst>
+                    </p:cTn>
+                  </p:par>
+                  <p:par>
+                    <p:cTn id="46" fill="hold">
+                      <p:stCondLst>
+                        <p:cond delay="indefinite"/>
+                      </p:stCondLst>
+                      <p:childTnLst>
+                        <p:par>
+                          <p:cTn id="47" fill="hold">
+                            <p:stCondLst>
+                              <p:cond delay="0"/>
+                            </p:stCondLst>
+                            <p:childTnLst>
+                              <p:par>
+                                <p:cTn id="48" presetID="42" presetClass="entr" presetSubtype="0" fill="hold" grpId="0" nodeType="clickEffect">
+                                  <p:stCondLst>
+                                    <p:cond delay="0"/>
+                                  </p:stCondLst>
+                                  <p:childTnLst>
+                                    <p:set>
+                                      <p:cBhvr>
+                                        <p:cTn id="49" dur="1" fill="hold">
+                                          <p:stCondLst>
+                                            <p:cond delay="0"/>
+                                          </p:stCondLst>
+                                        </p:cTn>
+                                        <p:tgtEl>
+                                          <p:spTgt spid="11"/>
+                                        </p:tgtEl>
+                                        <p:attrNameLst>
+                                          <p:attrName>style.visibility</p:attrName>
+                                        </p:attrNameLst>
+                                      </p:cBhvr>
+                                      <p:to>
+                                        <p:strVal val="visible"/>
+                                      </p:to>
+                                    </p:set>
+                                    <p:animEffect transition="in" filter="fade">
+                                      <p:cBhvr>
+                                        <p:cTn id="50" dur="1000"/>
+                                        <p:tgtEl>
+                                          <p:spTgt spid="11"/>
+                                        </p:tgtEl>
+                                      </p:cBhvr>
+                                    </p:animEffect>
+                                    <p:anim calcmode="lin" valueType="num">
+                                      <p:cBhvr>
+                                        <p:cTn id="51" dur="1000" fill="hold"/>
+                                        <p:tgtEl>
+                                          <p:spTgt spid="11"/>
+                                        </p:tgtEl>
+                                        <p:attrNameLst>
+                                          <p:attrName>ppt_x</p:attrName>
+                                        </p:attrNameLst>
+                                      </p:cBhvr>
+                                      <p:tavLst>
+                                        <p:tav tm="0">
+                                          <p:val>
+                                            <p:strVal val="#ppt_x"/>
+                                          </p:val>
+                                        </p:tav>
+                                        <p:tav tm="100000">
+                                          <p:val>
+                                            <p:strVal val="#ppt_x"/>
+                                          </p:val>
+                                        </p:tav>
+                                      </p:tavLst>
+                                    </p:anim>
+                                    <p:anim calcmode="lin" valueType="num">
+                                      <p:cBhvr>
+                                        <p:cTn id="52" dur="1000" fill="hold"/>
+                                        <p:tgtEl>
+                                          <p:spTgt spid="11"/>
+                                        </p:tgtEl>
+                                        <p:attrNameLst>
+                                          <p:attrName>ppt_y</p:attrName>
+                                        </p:attrNameLst>
+                                      </p:cBhvr>
+                                      <p:tavLst>
+                                        <p:tav tm="0">
+                                          <p:val>
+                                            <p:strVal val="#ppt_y+.1"/>
+                                          </p:val>
+                                        </p:tav>
+                                        <p:tav tm="100000">
+                                          <p:val>
+                                            <p:strVal val="#ppt_y"/>
+                                          </p:val>
+                                        </p:tav>
+                                      </p:tavLst>
+                                    </p:anim>
+                                  </p:childTnLst>
+                                </p:cTn>
+                              </p:par>
+                              <p:par>
+                                <p:cTn id="53" presetID="42" presetClass="entr" presetSubtype="0" fill="hold" grpId="0" nodeType="withEffect">
+                                  <p:stCondLst>
+                                    <p:cond delay="0"/>
+                                  </p:stCondLst>
+                                  <p:childTnLst>
+                                    <p:set>
+                                      <p:cBhvr>
+                                        <p:cTn id="54" dur="1" fill="hold">
+                                          <p:stCondLst>
+                                            <p:cond delay="0"/>
+                                          </p:stCondLst>
+                                        </p:cTn>
+                                        <p:tgtEl>
+                                          <p:spTgt spid="12"/>
+                                        </p:tgtEl>
+                                        <p:attrNameLst>
+                                          <p:attrName>style.visibility</p:attrName>
+                                        </p:attrNameLst>
+                                      </p:cBhvr>
+                                      <p:to>
+                                        <p:strVal val="visible"/>
+                                      </p:to>
+                                    </p:set>
+                                    <p:animEffect transition="in" filter="fade">
+                                      <p:cBhvr>
+                                        <p:cTn id="55" dur="1000"/>
+                                        <p:tgtEl>
+                                          <p:spTgt spid="12"/>
+                                        </p:tgtEl>
+                                      </p:cBhvr>
+                                    </p:animEffect>
+                                    <p:anim calcmode="lin" valueType="num">
+                                      <p:cBhvr>
+                                        <p:cTn id="56" dur="1000" fill="hold"/>
+                                        <p:tgtEl>
+                                          <p:spTgt spid="12"/>
+                                        </p:tgtEl>
+                                        <p:attrNameLst>
+                                          <p:attrName>ppt_x</p:attrName>
+                                        </p:attrNameLst>
+                                      </p:cBhvr>
+                                      <p:tavLst>
+                                        <p:tav tm="0">
+                                          <p:val>
+                                            <p:strVal val="#ppt_x"/>
+                                          </p:val>
+                                        </p:tav>
+                                        <p:tav tm="100000">
+                                          <p:val>
+                                            <p:strVal val="#ppt_x"/>
+                                          </p:val>
+                                        </p:tav>
+                                      </p:tavLst>
+                                    </p:anim>
+                                    <p:anim calcmode="lin" valueType="num">
+                                      <p:cBhvr>
+                                        <p:cTn id="57" dur="1000" fill="hold"/>
+                                        <p:tgtEl>
+                                          <p:spTgt spid="12"/>
+                                        </p:tgtEl>
+                                        <p:attrNameLst>
+                                          <p:attrName>ppt_y</p:attrName>
+                                        </p:attrNameLst>
+                                      </p:cBhvr>
+                                      <p:tavLst>
+                                        <p:tav tm="0">
+                                          <p:val>
+                                            <p:strVal val="#ppt_y+.1"/>
+                                          </p:val>
+                                        </p:tav>
+                                        <p:tav tm="100000">
+                                          <p:val>
+                                            <p:strVal val="#ppt_y"/>
+                                          </p:val>
+                                        </p:tav>
+                                      </p:tavLst>
+                                    </p:anim>
+                                  </p:childTnLst>
+                                </p:cTn>
+                              </p:par>
+                            </p:childTnLst>
+                          </p:cTn>
+                        </p:par>
+                      </p:childTnLst>
+                    </p:cTn>
+                  </p:par>
+                </p:childTnLst>
+              </p:cTn>
+              <p:prevCondLst>
+                <p:cond evt="onPrev" delay="0">
+                  <p:tgtEl>
+                    <p:sldTgt/>
+                  </p:tgtEl>
+                </p:cond>
+              </p:prevCondLst>
+              <p:nextCondLst>
+                <p:cond evt="onNext" delay="0">
+                  <p:tgtEl>
+                    <p:sldTgt/>
+                  </p:tgtEl>
+                </p:cond>
+              </p:nextCondLst>
+            </p:seq>
+          </p:childTnLst>
+        </p:cTn>
+      </p:par>
+    </p:tnLst>
+    <p:bldLst>
+      <p:bldP spid="5" grpId="0"/>
+      <p:bldP spid="7" grpId="0"/>
+      <p:bldP spid="8" grpId="0"/>
+      <p:bldP spid="3" grpId="0"/>
+      <p:bldP spid="9" grpId="0"/>
+      <p:bldP spid="4" grpId="0"/>
+      <p:bldP spid="10" grpId="0"/>
+      <p:bldP spid="11" grpId="0"/>
+      <p:bldP spid="12" grpId="0"/>
+    </p:bldLst>
+  </p:timing>
+</p:sld>
+</file>
+
 <file path=ppt/slides/slide7.xml><?xml version="1.0" encoding="utf-8"?>
 <p:sld xmlns:a="http://schemas.openxmlformats.org/drawingml/2006/main" xmlns:r="http://schemas.openxmlformats.org/officeDocument/2006/relationships" xmlns:p="http://schemas.openxmlformats.org/presentationml/2006/main">
   <p:cSld>
@@ -8272,6 +9135,479 @@
       </p:grpSpPr>
       <p:sp>
         <p:nvSpPr>
+          <p:cNvPr id="4" name="Rectangle 3">
+            <a:extLst>
+              <a:ext uri="{FF2B5EF4-FFF2-40B4-BE49-F238E27FC236}">
+                <a16:creationId xmlns:a16="http://schemas.microsoft.com/office/drawing/2014/main" id="{A117EE2C-1EA9-C04F-AD3C-D06249621A4D}"/>
+              </a:ext>
+            </a:extLst>
+          </p:cNvPr>
+          <p:cNvSpPr/>
+          <p:nvPr/>
+        </p:nvSpPr>
+        <p:spPr>
+          <a:xfrm>
+            <a:off x="5570538" y="1176818"/>
+            <a:ext cx="2095446" cy="3170099"/>
+          </a:xfrm>
+          <a:prstGeom prst="rect">
+            <a:avLst/>
+          </a:prstGeom>
+        </p:spPr>
+        <p:txBody>
+          <a:bodyPr wrap="none">
+            <a:spAutoFit/>
+            <a:scene3d>
+              <a:camera prst="orthographicFront"/>
+              <a:lightRig rig="threePt" dir="t"/>
+            </a:scene3d>
+            <a:sp3d extrusionH="57150">
+              <a:bevelT w="38100" h="38100" prst="angle"/>
+            </a:sp3d>
+          </a:bodyPr>
+          <a:lstStyle/>
+          <a:p>
+            <a:pPr algn="ctr"/>
+            <a:r>
+              <a:rPr lang="en-US" sz="20000" b="1" dirty="0">
+                <a:ln/>
+                <a:solidFill>
+                  <a:schemeClr val="accent3"/>
+                </a:solidFill>
+                <a:effectLst>
+                  <a:glow rad="63500">
+                    <a:schemeClr val="accent3">
+                      <a:satMod val="175000"/>
+                      <a:alpha val="40000"/>
+                    </a:schemeClr>
+                  </a:glow>
+                </a:effectLst>
+              </a:rPr>
+              <a:t>M</a:t>
+            </a:r>
+          </a:p>
+        </p:txBody>
+      </p:sp>
+      <p:sp>
+        <p:nvSpPr>
+          <p:cNvPr id="5" name="TextBox 4">
+            <a:extLst>
+              <a:ext uri="{FF2B5EF4-FFF2-40B4-BE49-F238E27FC236}">
+                <a16:creationId xmlns:a16="http://schemas.microsoft.com/office/drawing/2014/main" id="{2B30E7EA-4E9F-A541-9A53-34973397BA6C}"/>
+              </a:ext>
+            </a:extLst>
+          </p:cNvPr>
+          <p:cNvSpPr txBox="1"/>
+          <p:nvPr/>
+        </p:nvSpPr>
+        <p:spPr>
+          <a:xfrm>
+            <a:off x="2364531" y="2477430"/>
+            <a:ext cx="3642373" cy="707886"/>
+          </a:xfrm>
+          <a:prstGeom prst="rect">
+            <a:avLst/>
+          </a:prstGeom>
+          <a:noFill/>
+        </p:spPr>
+        <p:txBody>
+          <a:bodyPr wrap="square" rtlCol="0">
+            <a:spAutoFit/>
+          </a:bodyPr>
+          <a:lstStyle/>
+          <a:p>
+            <a:r>
+              <a:rPr lang="en-US" sz="4000" dirty="0">
+                <a:solidFill>
+                  <a:srgbClr val="F4C524"/>
+                </a:solidFill>
+              </a:rPr>
+              <a:t>Algorithm</a:t>
+            </a:r>
+          </a:p>
+        </p:txBody>
+      </p:sp>
+      <p:sp>
+        <p:nvSpPr>
+          <p:cNvPr id="6" name="TextBox 5">
+            <a:extLst>
+              <a:ext uri="{FF2B5EF4-FFF2-40B4-BE49-F238E27FC236}">
+                <a16:creationId xmlns:a16="http://schemas.microsoft.com/office/drawing/2014/main" id="{C5BACC8E-D385-364E-91EE-A8319012B5C7}"/>
+              </a:ext>
+            </a:extLst>
+          </p:cNvPr>
+          <p:cNvSpPr txBox="1"/>
+          <p:nvPr/>
+        </p:nvSpPr>
+        <p:spPr>
+          <a:xfrm>
+            <a:off x="3474720" y="4346917"/>
+            <a:ext cx="4853354" cy="461665"/>
+          </a:xfrm>
+          <a:prstGeom prst="rect">
+            <a:avLst/>
+          </a:prstGeom>
+          <a:noFill/>
+        </p:spPr>
+        <p:txBody>
+          <a:bodyPr wrap="square" rtlCol="0">
+            <a:spAutoFit/>
+          </a:bodyPr>
+          <a:lstStyle/>
+          <a:p>
+            <a:r>
+              <a:rPr lang="en-US" sz="2400" dirty="0"/>
+              <a:t>Finds type errors earlier </a:t>
+            </a:r>
+          </a:p>
+        </p:txBody>
+      </p:sp>
+    </p:spTree>
+    <p:extLst>
+      <p:ext uri="{BB962C8B-B14F-4D97-AF65-F5344CB8AC3E}">
+        <p14:creationId xmlns:p14="http://schemas.microsoft.com/office/powerpoint/2010/main" val="3271848009"/>
+      </p:ext>
+    </p:extLst>
+  </p:cSld>
+  <p:clrMapOvr>
+    <a:masterClrMapping/>
+  </p:clrMapOvr>
+  <p:timing>
+    <p:tnLst>
+      <p:par>
+        <p:cTn id="1" dur="indefinite" restart="never" nodeType="tmRoot">
+          <p:childTnLst>
+            <p:seq concurrent="1" nextAc="seek">
+              <p:cTn id="2" dur="indefinite" nodeType="mainSeq">
+                <p:childTnLst>
+                  <p:par>
+                    <p:cTn id="3" fill="hold">
+                      <p:stCondLst>
+                        <p:cond delay="indefinite"/>
+                      </p:stCondLst>
+                      <p:childTnLst>
+                        <p:par>
+                          <p:cTn id="4" fill="hold">
+                            <p:stCondLst>
+                              <p:cond delay="0"/>
+                            </p:stCondLst>
+                            <p:childTnLst>
+                              <p:par>
+                                <p:cTn id="5" presetID="42" presetClass="entr" presetSubtype="0" fill="hold" grpId="0" nodeType="clickEffect">
+                                  <p:stCondLst>
+                                    <p:cond delay="0"/>
+                                  </p:stCondLst>
+                                  <p:childTnLst>
+                                    <p:set>
+                                      <p:cBhvr>
+                                        <p:cTn id="6" dur="1" fill="hold">
+                                          <p:stCondLst>
+                                            <p:cond delay="0"/>
+                                          </p:stCondLst>
+                                        </p:cTn>
+                                        <p:tgtEl>
+                                          <p:spTgt spid="5"/>
+                                        </p:tgtEl>
+                                        <p:attrNameLst>
+                                          <p:attrName>style.visibility</p:attrName>
+                                        </p:attrNameLst>
+                                      </p:cBhvr>
+                                      <p:to>
+                                        <p:strVal val="visible"/>
+                                      </p:to>
+                                    </p:set>
+                                    <p:animEffect transition="in" filter="fade">
+                                      <p:cBhvr>
+                                        <p:cTn id="7" dur="1000"/>
+                                        <p:tgtEl>
+                                          <p:spTgt spid="5"/>
+                                        </p:tgtEl>
+                                      </p:cBhvr>
+                                    </p:animEffect>
+                                    <p:anim calcmode="lin" valueType="num">
+                                      <p:cBhvr>
+                                        <p:cTn id="8" dur="1000" fill="hold"/>
+                                        <p:tgtEl>
+                                          <p:spTgt spid="5"/>
+                                        </p:tgtEl>
+                                        <p:attrNameLst>
+                                          <p:attrName>ppt_x</p:attrName>
+                                        </p:attrNameLst>
+                                      </p:cBhvr>
+                                      <p:tavLst>
+                                        <p:tav tm="0">
+                                          <p:val>
+                                            <p:strVal val="#ppt_x"/>
+                                          </p:val>
+                                        </p:tav>
+                                        <p:tav tm="100000">
+                                          <p:val>
+                                            <p:strVal val="#ppt_x"/>
+                                          </p:val>
+                                        </p:tav>
+                                      </p:tavLst>
+                                    </p:anim>
+                                    <p:anim calcmode="lin" valueType="num">
+                                      <p:cBhvr>
+                                        <p:cTn id="9" dur="1000" fill="hold"/>
+                                        <p:tgtEl>
+                                          <p:spTgt spid="5"/>
+                                        </p:tgtEl>
+                                        <p:attrNameLst>
+                                          <p:attrName>ppt_y</p:attrName>
+                                        </p:attrNameLst>
+                                      </p:cBhvr>
+                                      <p:tavLst>
+                                        <p:tav tm="0">
+                                          <p:val>
+                                            <p:strVal val="#ppt_y+.1"/>
+                                          </p:val>
+                                        </p:tav>
+                                        <p:tav tm="100000">
+                                          <p:val>
+                                            <p:strVal val="#ppt_y"/>
+                                          </p:val>
+                                        </p:tav>
+                                      </p:tavLst>
+                                    </p:anim>
+                                  </p:childTnLst>
+                                </p:cTn>
+                              </p:par>
+                              <p:par>
+                                <p:cTn id="10" presetID="42" presetClass="entr" presetSubtype="0" fill="hold" grpId="0" nodeType="withEffect">
+                                  <p:stCondLst>
+                                    <p:cond delay="0"/>
+                                  </p:stCondLst>
+                                  <p:childTnLst>
+                                    <p:set>
+                                      <p:cBhvr>
+                                        <p:cTn id="11" dur="1" fill="hold">
+                                          <p:stCondLst>
+                                            <p:cond delay="0"/>
+                                          </p:stCondLst>
+                                        </p:cTn>
+                                        <p:tgtEl>
+                                          <p:spTgt spid="4"/>
+                                        </p:tgtEl>
+                                        <p:attrNameLst>
+                                          <p:attrName>style.visibility</p:attrName>
+                                        </p:attrNameLst>
+                                      </p:cBhvr>
+                                      <p:to>
+                                        <p:strVal val="visible"/>
+                                      </p:to>
+                                    </p:set>
+                                    <p:animEffect transition="in" filter="fade">
+                                      <p:cBhvr>
+                                        <p:cTn id="12" dur="1000"/>
+                                        <p:tgtEl>
+                                          <p:spTgt spid="4"/>
+                                        </p:tgtEl>
+                                      </p:cBhvr>
+                                    </p:animEffect>
+                                    <p:anim calcmode="lin" valueType="num">
+                                      <p:cBhvr>
+                                        <p:cTn id="13" dur="1000" fill="hold"/>
+                                        <p:tgtEl>
+                                          <p:spTgt spid="4"/>
+                                        </p:tgtEl>
+                                        <p:attrNameLst>
+                                          <p:attrName>ppt_x</p:attrName>
+                                        </p:attrNameLst>
+                                      </p:cBhvr>
+                                      <p:tavLst>
+                                        <p:tav tm="0">
+                                          <p:val>
+                                            <p:strVal val="#ppt_x"/>
+                                          </p:val>
+                                        </p:tav>
+                                        <p:tav tm="100000">
+                                          <p:val>
+                                            <p:strVal val="#ppt_x"/>
+                                          </p:val>
+                                        </p:tav>
+                                      </p:tavLst>
+                                    </p:anim>
+                                    <p:anim calcmode="lin" valueType="num">
+                                      <p:cBhvr>
+                                        <p:cTn id="14" dur="1000" fill="hold"/>
+                                        <p:tgtEl>
+                                          <p:spTgt spid="4"/>
+                                        </p:tgtEl>
+                                        <p:attrNameLst>
+                                          <p:attrName>ppt_y</p:attrName>
+                                        </p:attrNameLst>
+                                      </p:cBhvr>
+                                      <p:tavLst>
+                                        <p:tav tm="0">
+                                          <p:val>
+                                            <p:strVal val="#ppt_y+.1"/>
+                                          </p:val>
+                                        </p:tav>
+                                        <p:tav tm="100000">
+                                          <p:val>
+                                            <p:strVal val="#ppt_y"/>
+                                          </p:val>
+                                        </p:tav>
+                                      </p:tavLst>
+                                    </p:anim>
+                                  </p:childTnLst>
+                                </p:cTn>
+                              </p:par>
+                            </p:childTnLst>
+                          </p:cTn>
+                        </p:par>
+                      </p:childTnLst>
+                    </p:cTn>
+                  </p:par>
+                  <p:par>
+                    <p:cTn id="15" fill="hold">
+                      <p:stCondLst>
+                        <p:cond delay="indefinite"/>
+                      </p:stCondLst>
+                      <p:childTnLst>
+                        <p:par>
+                          <p:cTn id="16" fill="hold">
+                            <p:stCondLst>
+                              <p:cond delay="0"/>
+                            </p:stCondLst>
+                            <p:childTnLst>
+                              <p:par>
+                                <p:cTn id="17" presetID="42" presetClass="entr" presetSubtype="0" fill="hold" grpId="0" nodeType="clickEffect">
+                                  <p:stCondLst>
+                                    <p:cond delay="0"/>
+                                  </p:stCondLst>
+                                  <p:childTnLst>
+                                    <p:set>
+                                      <p:cBhvr>
+                                        <p:cTn id="18" dur="1" fill="hold">
+                                          <p:stCondLst>
+                                            <p:cond delay="0"/>
+                                          </p:stCondLst>
+                                        </p:cTn>
+                                        <p:tgtEl>
+                                          <p:spTgt spid="6"/>
+                                        </p:tgtEl>
+                                        <p:attrNameLst>
+                                          <p:attrName>style.visibility</p:attrName>
+                                        </p:attrNameLst>
+                                      </p:cBhvr>
+                                      <p:to>
+                                        <p:strVal val="visible"/>
+                                      </p:to>
+                                    </p:set>
+                                    <p:animEffect transition="in" filter="fade">
+                                      <p:cBhvr>
+                                        <p:cTn id="19" dur="1000"/>
+                                        <p:tgtEl>
+                                          <p:spTgt spid="6"/>
+                                        </p:tgtEl>
+                                      </p:cBhvr>
+                                    </p:animEffect>
+                                    <p:anim calcmode="lin" valueType="num">
+                                      <p:cBhvr>
+                                        <p:cTn id="20" dur="1000" fill="hold"/>
+                                        <p:tgtEl>
+                                          <p:spTgt spid="6"/>
+                                        </p:tgtEl>
+                                        <p:attrNameLst>
+                                          <p:attrName>ppt_x</p:attrName>
+                                        </p:attrNameLst>
+                                      </p:cBhvr>
+                                      <p:tavLst>
+                                        <p:tav tm="0">
+                                          <p:val>
+                                            <p:strVal val="#ppt_x"/>
+                                          </p:val>
+                                        </p:tav>
+                                        <p:tav tm="100000">
+                                          <p:val>
+                                            <p:strVal val="#ppt_x"/>
+                                          </p:val>
+                                        </p:tav>
+                                      </p:tavLst>
+                                    </p:anim>
+                                    <p:anim calcmode="lin" valueType="num">
+                                      <p:cBhvr>
+                                        <p:cTn id="21" dur="1000" fill="hold"/>
+                                        <p:tgtEl>
+                                          <p:spTgt spid="6"/>
+                                        </p:tgtEl>
+                                        <p:attrNameLst>
+                                          <p:attrName>ppt_y</p:attrName>
+                                        </p:attrNameLst>
+                                      </p:cBhvr>
+                                      <p:tavLst>
+                                        <p:tav tm="0">
+                                          <p:val>
+                                            <p:strVal val="#ppt_y+.1"/>
+                                          </p:val>
+                                        </p:tav>
+                                        <p:tav tm="100000">
+                                          <p:val>
+                                            <p:strVal val="#ppt_y"/>
+                                          </p:val>
+                                        </p:tav>
+                                      </p:tavLst>
+                                    </p:anim>
+                                  </p:childTnLst>
+                                </p:cTn>
+                              </p:par>
+                            </p:childTnLst>
+                          </p:cTn>
+                        </p:par>
+                      </p:childTnLst>
+                    </p:cTn>
+                  </p:par>
+                </p:childTnLst>
+              </p:cTn>
+              <p:prevCondLst>
+                <p:cond evt="onPrev" delay="0">
+                  <p:tgtEl>
+                    <p:sldTgt/>
+                  </p:tgtEl>
+                </p:cond>
+              </p:prevCondLst>
+              <p:nextCondLst>
+                <p:cond evt="onNext" delay="0">
+                  <p:tgtEl>
+                    <p:sldTgt/>
+                  </p:tgtEl>
+                </p:cond>
+              </p:nextCondLst>
+            </p:seq>
+          </p:childTnLst>
+        </p:cTn>
+      </p:par>
+    </p:tnLst>
+    <p:bldLst>
+      <p:bldP spid="4" grpId="0"/>
+      <p:bldP spid="5" grpId="0"/>
+      <p:bldP spid="6" grpId="0"/>
+    </p:bldLst>
+  </p:timing>
+</p:sld>
+</file>
+
+<file path=ppt/slides/slide8.xml><?xml version="1.0" encoding="utf-8"?>
+<p:sld xmlns:a="http://schemas.openxmlformats.org/drawingml/2006/main" xmlns:r="http://schemas.openxmlformats.org/officeDocument/2006/relationships" xmlns:p="http://schemas.openxmlformats.org/presentationml/2006/main">
+  <p:cSld>
+    <p:spTree>
+      <p:nvGrpSpPr>
+        <p:cNvPr id="1" name=""/>
+        <p:cNvGrpSpPr/>
+        <p:nvPr/>
+      </p:nvGrpSpPr>
+      <p:grpSpPr>
+        <a:xfrm>
+          <a:off x="0" y="0"/>
+          <a:ext cx="0" cy="0"/>
+          <a:chOff x="0" y="0"/>
+          <a:chExt cx="0" cy="0"/>
+        </a:xfrm>
+      </p:grpSpPr>
+      <p:sp>
+        <p:nvSpPr>
           <p:cNvPr id="2" name="Title 1"/>
           <p:cNvSpPr>
             <a:spLocks noGrp="1"/>
@@ -8286,29 +9622,9 @@
           <a:lstStyle/>
           <a:p>
             <a:r>
-              <a:rPr lang="en-CA" dirty="0" smtClean="0"/>
+              <a:rPr lang="en-CA" dirty="0"/>
               <a:t>Demonstration</a:t>
             </a:r>
-            <a:endParaRPr lang="en-CA" dirty="0"/>
-          </a:p>
-        </p:txBody>
-      </p:sp>
-      <p:sp>
-        <p:nvSpPr>
-          <p:cNvPr id="3" name="Text Placeholder 2"/>
-          <p:cNvSpPr>
-            <a:spLocks noGrp="1"/>
-          </p:cNvSpPr>
-          <p:nvPr>
-            <p:ph type="body" idx="1"/>
-          </p:nvPr>
-        </p:nvSpPr>
-        <p:spPr/>
-        <p:txBody>
-          <a:bodyPr/>
-          <a:lstStyle/>
-          <a:p>
-            <a:endParaRPr lang="en-CA"/>
           </a:p>
         </p:txBody>
       </p:sp>
@@ -8333,12 +9649,19 @@
         </p:blipFill>
         <p:spPr>
           <a:xfrm>
-            <a:off x="5199955" y="912962"/>
-            <a:ext cx="3122711" cy="3236344"/>
+            <a:off x="5284361" y="364321"/>
+            <a:ext cx="3761165" cy="3898031"/>
           </a:xfrm>
           <a:prstGeom prst="rect">
             <a:avLst/>
           </a:prstGeom>
+          <a:effectLst>
+            <a:outerShdw blurRad="50800" dist="50800" dir="5400000" algn="ctr" rotWithShape="0">
+              <a:schemeClr val="tx1"/>
+            </a:outerShdw>
+            <a:reflection endPos="65000" dist="50800" dir="5400000" sy="-100000" algn="bl" rotWithShape="0"/>
+            <a:softEdge rad="444500"/>
+          </a:effectLst>
         </p:spPr>
       </p:pic>
     </p:spTree>
@@ -8354,17 +9677,10 @@
   <p:transition spd="slow">
     <p:cover/>
   </p:transition>
-  <p:timing>
-    <p:tnLst>
-      <p:par>
-        <p:cTn id="1" dur="indefinite" restart="never" nodeType="tmRoot"/>
-      </p:par>
-    </p:tnLst>
-  </p:timing>
 </p:sld>
 </file>
 
-<file path=ppt/slides/slide8.xml><?xml version="1.0" encoding="utf-8"?>
+<file path=ppt/slides/slide9.xml><?xml version="1.0" encoding="utf-8"?>
 <p:sld xmlns:a="http://schemas.openxmlformats.org/drawingml/2006/main" xmlns:r="http://schemas.openxmlformats.org/officeDocument/2006/relationships" xmlns:p="http://schemas.openxmlformats.org/presentationml/2006/main">
   <p:cSld>
     <p:spTree>
@@ -8451,13 +9767,6 @@
       </p:transition>
     </mc:Fallback>
   </mc:AlternateContent>
-  <p:timing>
-    <p:tnLst>
-      <p:par>
-        <p:cTn id="1" dur="indefinite" restart="never" nodeType="tmRoot"/>
-      </p:par>
-    </p:tnLst>
-  </p:timing>
 </p:sld>
 </file>
 
